--- a/Präsentation/Abschluss_Präsentation_Simon.pptx
+++ b/Präsentation/Abschluss_Präsentation_Simon.pptx
@@ -11,8 +11,8 @@
     <p:handoutMasterId r:id="rId22"/>
   </p:handoutMasterIdLst>
   <p:sldIdLst>
-    <p:sldId id="256" r:id="rId3"/>
-    <p:sldId id="266" r:id="rId4"/>
+    <p:sldId id="281" r:id="rId3"/>
+    <p:sldId id="282" r:id="rId4"/>
     <p:sldId id="267" r:id="rId5"/>
     <p:sldId id="268" r:id="rId6"/>
     <p:sldId id="269" r:id="rId7"/>
@@ -1380,7 +1380,7 @@
     </p:spTree>
     <p:extLst>
       <p:ext uri="{BB962C8B-B14F-4D97-AF65-F5344CB8AC3E}">
-        <p14:creationId xmlns:p14="http://schemas.microsoft.com/office/powerpoint/2010/main" val="1170222192"/>
+        <p14:creationId xmlns:p14="http://schemas.microsoft.com/office/powerpoint/2010/main" val="1839109389"/>
       </p:ext>
     </p:extLst>
   </p:cSld>
@@ -2533,7 +2533,7 @@
     </p:spTree>
     <p:extLst>
       <p:ext uri="{BB962C8B-B14F-4D97-AF65-F5344CB8AC3E}">
-        <p14:creationId xmlns:p14="http://schemas.microsoft.com/office/powerpoint/2010/main" val="1613023689"/>
+        <p14:creationId xmlns:p14="http://schemas.microsoft.com/office/powerpoint/2010/main" val="2608810005"/>
       </p:ext>
     </p:extLst>
   </p:cSld>
@@ -4778,7 +4778,7 @@
           <a:lstStyle>
             <a:lvl1pPr marL="342900" indent="-342900">
               <a:buClr>
-                <a:srgbClr val="005088"/>
+                <a:srgbClr val="004E8A"/>
               </a:buClr>
               <a:buFont typeface="Wingdings" panose="05000000000000000000" pitchFamily="2" charset="2"/>
               <a:buChar char="§"/>
@@ -6451,7 +6451,7 @@
           <a:spcPts val="230"/>
         </a:spcAft>
         <a:buClr>
-          <a:srgbClr val="005088"/>
+          <a:srgbClr val="004E8A"/>
         </a:buClr>
         <a:buFont typeface="Wingdings" pitchFamily="2" charset="2"/>
         <a:buChar char="§"/>
@@ -6775,10 +6775,10 @@
       </p:sp>
       <p:pic>
         <p:nvPicPr>
-          <p:cNvPr id="5" name="Grafik 4">
+          <p:cNvPr id="4" name="Grafik 3">
             <a:extLst>
               <a:ext uri="{FF2B5EF4-FFF2-40B4-BE49-F238E27FC236}">
-                <a16:creationId xmlns:a16="http://schemas.microsoft.com/office/drawing/2014/main" id="{E227F886-3FC4-4EC8-B699-37820BA7E278}"/>
+                <a16:creationId xmlns:a16="http://schemas.microsoft.com/office/drawing/2014/main" id="{18A4F8C9-BC47-4597-A341-7BD061B63621}"/>
               </a:ext>
             </a:extLst>
           </p:cNvPr>
@@ -6788,37 +6788,130 @@
           <p:nvPr/>
         </p:nvPicPr>
         <p:blipFill>
-          <a:blip r:embed="rId3" cstate="print">
-            <a:extLst>
-              <a:ext uri="{BEBA8EAE-BF5A-486C-A8C5-ECC9F3942E4B}">
-                <a14:imgProps xmlns:a14="http://schemas.microsoft.com/office/drawing/2010/main">
-                  <a14:imgLayer r:embed="rId4">
-                    <a14:imgEffect>
-                      <a14:colorTemperature colorTemp="8242"/>
-                    </a14:imgEffect>
-                  </a14:imgLayer>
-                </a14:imgProps>
-              </a:ext>
-              <a:ext uri="{28A0092B-C50C-407E-A947-70E740481C1C}">
-                <a14:useLocalDpi xmlns:a14="http://schemas.microsoft.com/office/drawing/2010/main" val="0"/>
-              </a:ext>
-            </a:extLst>
-          </a:blip>
+          <a:blip r:embed="rId3"/>
           <a:stretch>
             <a:fillRect/>
           </a:stretch>
         </p:blipFill>
         <p:spPr>
           <a:xfrm>
-            <a:off x="1629927" y="2780928"/>
-            <a:ext cx="5884146" cy="3309832"/>
+            <a:off x="1666875" y="2708920"/>
+            <a:ext cx="5810250" cy="3286125"/>
           </a:xfrm>
           <a:prstGeom prst="rect">
             <a:avLst/>
           </a:prstGeom>
         </p:spPr>
       </p:pic>
+      <p:cxnSp>
+        <p:nvCxnSpPr>
+          <p:cNvPr id="8" name="Gerade Verbindung mit Pfeil 7">
+            <a:extLst>
+              <a:ext uri="{FF2B5EF4-FFF2-40B4-BE49-F238E27FC236}">
+                <a16:creationId xmlns:a16="http://schemas.microsoft.com/office/drawing/2014/main" id="{6AEE5332-9F2B-40A4-B03C-0CA4C32B5711}"/>
+              </a:ext>
+            </a:extLst>
+          </p:cNvPr>
+          <p:cNvCxnSpPr>
+            <a:cxnSpLocks/>
+          </p:cNvCxnSpPr>
+          <p:nvPr/>
+        </p:nvCxnSpPr>
+        <p:spPr>
+          <a:xfrm flipV="1">
+            <a:off x="5796137" y="4626893"/>
+            <a:ext cx="0" cy="818331"/>
+          </a:xfrm>
+          <a:prstGeom prst="straightConnector1">
+            <a:avLst/>
+          </a:prstGeom>
+          <a:ln w="57150">
+            <a:solidFill>
+              <a:srgbClr val="004E8A"/>
+            </a:solidFill>
+            <a:tailEnd type="triangle"/>
+          </a:ln>
+        </p:spPr>
+        <p:style>
+          <a:lnRef idx="1">
+            <a:schemeClr val="accent1"/>
+          </a:lnRef>
+          <a:fillRef idx="0">
+            <a:schemeClr val="accent1"/>
+          </a:fillRef>
+          <a:effectRef idx="0">
+            <a:schemeClr val="accent1"/>
+          </a:effectRef>
+          <a:fontRef idx="minor">
+            <a:schemeClr val="tx1"/>
+          </a:fontRef>
+        </p:style>
+      </p:cxnSp>
+      <p:sp>
+        <p:nvSpPr>
+          <p:cNvPr id="9" name="Rechteck 8">
+            <a:extLst>
+              <a:ext uri="{FF2B5EF4-FFF2-40B4-BE49-F238E27FC236}">
+                <a16:creationId xmlns:a16="http://schemas.microsoft.com/office/drawing/2014/main" id="{3778A54C-BCC7-4667-8D22-D645A2858F58}"/>
+              </a:ext>
+            </a:extLst>
+          </p:cNvPr>
+          <p:cNvSpPr/>
+          <p:nvPr/>
+        </p:nvSpPr>
+        <p:spPr>
+          <a:xfrm>
+            <a:off x="4788024" y="5441465"/>
+            <a:ext cx="3096344" cy="795847"/>
+          </a:xfrm>
+          <a:prstGeom prst="rect">
+            <a:avLst/>
+          </a:prstGeom>
+          <a:noFill/>
+          <a:ln>
+            <a:solidFill>
+              <a:srgbClr val="004E8A"/>
+            </a:solidFill>
+          </a:ln>
+        </p:spPr>
+        <p:style>
+          <a:lnRef idx="2">
+            <a:schemeClr val="accent1">
+              <a:shade val="50000"/>
+            </a:schemeClr>
+          </a:lnRef>
+          <a:fillRef idx="1">
+            <a:schemeClr val="accent1"/>
+          </a:fillRef>
+          <a:effectRef idx="0">
+            <a:schemeClr val="accent1"/>
+          </a:effectRef>
+          <a:fontRef idx="minor">
+            <a:schemeClr val="lt1"/>
+          </a:fontRef>
+        </p:style>
+        <p:txBody>
+          <a:bodyPr rtlCol="0" anchor="ctr"/>
+          <a:lstStyle/>
+          <a:p>
+            <a:pPr algn="ctr"/>
+            <a:r>
+              <a:rPr lang="de-DE" dirty="0">
+                <a:solidFill>
+                  <a:srgbClr val="004E8A"/>
+                </a:solidFill>
+              </a:rPr>
+              <a:t>Hochdruckturbine nach der Brennkammer</a:t>
+            </a:r>
+          </a:p>
+        </p:txBody>
+      </p:sp>
     </p:spTree>
+    <p:extLst>
+      <p:ext uri="{BB962C8B-B14F-4D97-AF65-F5344CB8AC3E}">
+        <p14:creationId xmlns:p14="http://schemas.microsoft.com/office/powerpoint/2010/main" val="2655577268"/>
+      </p:ext>
+    </p:extLst>
   </p:cSld>
   <p:clrMapOvr>
     <a:masterClrMapping/>
@@ -8335,21 +8428,19 @@
             <p:ph idx="1"/>
           </p:nvPr>
         </p:nvSpPr>
-        <p:spPr/>
-        <p:txBody>
-          <a:bodyPr/>
-          <a:lstStyle/>
-          <a:p>
-            <a:r>
-              <a:rPr lang="de-DE" dirty="0"/>
-              <a:t>Grundlagen</a:t>
-            </a:r>
-          </a:p>
-          <a:p>
-            <a:pPr lvl="2"/>
-            <a:r>
-              <a:rPr lang="de-DE" dirty="0"/>
-              <a:t>Wirkungsgraddefinitionen</a:t>
+        <p:spPr>
+          <a:xfrm>
+            <a:off x="360000" y="1620000"/>
+            <a:ext cx="7164328" cy="4479943"/>
+          </a:xfrm>
+        </p:spPr>
+        <p:txBody>
+          <a:bodyPr/>
+          <a:lstStyle/>
+          <a:p>
+            <a:r>
+              <a:rPr lang="de-DE" dirty="0"/>
+              <a:t>Grundlagen der Thermodynamik und von Wirkungsgraden</a:t>
             </a:r>
           </a:p>
           <a:p>
@@ -8359,35 +8450,18 @@
             </a:r>
           </a:p>
           <a:p>
-            <a:pPr lvl="2"/>
-            <a:r>
-              <a:rPr lang="de-DE" dirty="0"/>
-              <a:t>Strukturiert</a:t>
-            </a:r>
-          </a:p>
-          <a:p>
-            <a:pPr lvl="2"/>
-            <a:r>
-              <a:rPr lang="de-DE" dirty="0"/>
-              <a:t>Unstrukturiert</a:t>
-            </a:r>
-          </a:p>
-          <a:p>
-            <a:pPr lvl="1"/>
             <a:r>
               <a:rPr lang="de-DE" dirty="0"/>
               <a:t>Kanalströmung</a:t>
             </a:r>
           </a:p>
           <a:p>
-            <a:pPr lvl="1"/>
-            <a:r>
-              <a:rPr lang="de-DE" dirty="0"/>
-              <a:t>Auswertungstool</a:t>
-            </a:r>
-          </a:p>
-          <a:p>
-            <a:pPr lvl="1"/>
+            <a:r>
+              <a:rPr lang="de-DE" dirty="0"/>
+              <a:t>Auswertungstool für Gitterstudien</a:t>
+            </a:r>
+          </a:p>
+          <a:p>
             <a:r>
               <a:rPr lang="de-DE" dirty="0"/>
               <a:t>Fazit</a:t>
@@ -8402,7 +8476,7 @@
     </p:spTree>
     <p:extLst>
       <p:ext uri="{BB962C8B-B14F-4D97-AF65-F5344CB8AC3E}">
-        <p14:creationId xmlns:p14="http://schemas.microsoft.com/office/powerpoint/2010/main" val="305700967"/>
+        <p14:creationId xmlns:p14="http://schemas.microsoft.com/office/powerpoint/2010/main" val="3165109670"/>
       </p:ext>
     </p:extLst>
   </p:cSld>

--- a/Präsentation/Abschluss_Präsentation_Simon.pptx
+++ b/Präsentation/Abschluss_Präsentation_Simon.pptx
@@ -8823,31 +8823,196 @@
           </a:p>
         </p:txBody>
       </p:sp>
-      <p:sp>
-        <p:nvSpPr>
-          <p:cNvPr id="3" name="Inhaltsplatzhalter 2">
+      <p:pic>
+        <p:nvPicPr>
+          <p:cNvPr id="5" name="Inhaltsplatzhalter 4">
             <a:extLst>
               <a:ext uri="{FF2B5EF4-FFF2-40B4-BE49-F238E27FC236}">
-                <a16:creationId xmlns:a16="http://schemas.microsoft.com/office/drawing/2014/main" id="{D3AA39F9-9931-48BD-9CE6-A9A42797156C}"/>
+                <a16:creationId xmlns:a16="http://schemas.microsoft.com/office/drawing/2014/main" id="{CBE4E9B3-7F91-4219-B8A2-4BDBC85243E6}"/>
               </a:ext>
             </a:extLst>
           </p:cNvPr>
-          <p:cNvSpPr>
-            <a:spLocks noGrp="1"/>
-          </p:cNvSpPr>
+          <p:cNvPicPr>
+            <a:picLocks noGrp="1" noChangeAspect="1"/>
+          </p:cNvPicPr>
           <p:nvPr>
             <p:ph idx="1"/>
           </p:nvPr>
-        </p:nvSpPr>
-        <p:spPr/>
-        <p:txBody>
-          <a:bodyPr/>
-          <a:lstStyle/>
-          <a:p>
-            <a:endParaRPr lang="de-DE"/>
-          </a:p>
-        </p:txBody>
-      </p:sp>
+        </p:nvPicPr>
+        <p:blipFill>
+          <a:blip r:embed="rId3">
+            <a:extLst>
+              <a:ext uri="{28A0092B-C50C-407E-A947-70E740481C1C}">
+                <a14:useLocalDpi xmlns:a14="http://schemas.microsoft.com/office/drawing/2010/main" val="0"/>
+              </a:ext>
+            </a:extLst>
+          </a:blip>
+          <a:stretch>
+            <a:fillRect/>
+          </a:stretch>
+        </p:blipFill>
+        <p:spPr>
+          <a:xfrm>
+            <a:off x="1259632" y="1742838"/>
+            <a:ext cx="6823075" cy="3372324"/>
+          </a:xfrm>
+        </p:spPr>
+      </p:pic>
+      <p:graphicFrame>
+        <p:nvGraphicFramePr>
+          <p:cNvPr id="7" name="Inhaltsplatzhalter 3">
+            <a:extLst>
+              <a:ext uri="{FF2B5EF4-FFF2-40B4-BE49-F238E27FC236}">
+                <a16:creationId xmlns:a16="http://schemas.microsoft.com/office/drawing/2014/main" id="{1C6101A0-6895-44BF-B3E0-501C78EA231B}"/>
+              </a:ext>
+            </a:extLst>
+          </p:cNvPr>
+          <p:cNvGraphicFramePr>
+            <a:graphicFrameLocks/>
+          </p:cNvGraphicFramePr>
+          <p:nvPr>
+            <p:extLst>
+              <p:ext uri="{D42A27DB-BD31-4B8C-83A1-F6EECF244321}">
+                <p14:modId xmlns:p14="http://schemas.microsoft.com/office/powerpoint/2010/main" val="2450104015"/>
+              </p:ext>
+            </p:extLst>
+          </p:nvPr>
+        </p:nvGraphicFramePr>
+        <p:xfrm>
+          <a:off x="638256" y="1772816"/>
+          <a:ext cx="6823076" cy="1112520"/>
+        </p:xfrm>
+        <a:graphic>
+          <a:graphicData uri="http://schemas.openxmlformats.org/drawingml/2006/table">
+            <a:tbl>
+              <a:tblPr firstRow="1" bandRow="1">
+                <a:tableStyleId>{93296810-A885-4BE3-A3E7-6D5BEEA58F35}</a:tableStyleId>
+              </a:tblPr>
+              <a:tblGrid>
+                <a:gridCol w="3411538">
+                  <a:extLst>
+                    <a:ext uri="{9D8B030D-6E8A-4147-A177-3AD203B41FA5}">
+                      <a16:colId xmlns:a16="http://schemas.microsoft.com/office/drawing/2014/main" val="20000"/>
+                    </a:ext>
+                  </a:extLst>
+                </a:gridCol>
+                <a:gridCol w="3411538">
+                  <a:extLst>
+                    <a:ext uri="{9D8B030D-6E8A-4147-A177-3AD203B41FA5}">
+                      <a16:colId xmlns:a16="http://schemas.microsoft.com/office/drawing/2014/main" val="20001"/>
+                    </a:ext>
+                  </a:extLst>
+                </a:gridCol>
+              </a:tblGrid>
+              <a:tr h="370840">
+                <a:tc>
+                  <a:txBody>
+                    <a:bodyPr/>
+                    <a:lstStyle/>
+                    <a:p>
+                      <a:endParaRPr lang="de-DE" dirty="0"/>
+                    </a:p>
+                  </a:txBody>
+                  <a:tcPr/>
+                </a:tc>
+                <a:tc>
+                  <a:txBody>
+                    <a:bodyPr/>
+                    <a:lstStyle/>
+                    <a:p>
+                      <a:r>
+                        <a:rPr lang="de-DE" dirty="0"/>
+                        <a:t>Anzahl Schaufeln</a:t>
+                      </a:r>
+                    </a:p>
+                  </a:txBody>
+                  <a:tcPr/>
+                </a:tc>
+                <a:extLst>
+                  <a:ext uri="{0D108BD9-81ED-4DB2-BD59-A6C34878D82A}">
+                    <a16:rowId xmlns:a16="http://schemas.microsoft.com/office/drawing/2014/main" val="10000"/>
+                  </a:ext>
+                </a:extLst>
+              </a:tr>
+              <a:tr h="370840">
+                <a:tc>
+                  <a:txBody>
+                    <a:bodyPr/>
+                    <a:lstStyle/>
+                    <a:p>
+                      <a:r>
+                        <a:rPr lang="de-DE" dirty="0"/>
+                        <a:t>Stator 1</a:t>
+                      </a:r>
+                    </a:p>
+                  </a:txBody>
+                  <a:tcPr/>
+                </a:tc>
+                <a:tc>
+                  <a:txBody>
+                    <a:bodyPr/>
+                    <a:lstStyle/>
+                    <a:p>
+                      <a:r>
+                        <a:rPr lang="de-DE" dirty="0"/>
+                        <a:t>36</a:t>
+                      </a:r>
+                    </a:p>
+                  </a:txBody>
+                  <a:tcPr/>
+                </a:tc>
+                <a:extLst>
+                  <a:ext uri="{0D108BD9-81ED-4DB2-BD59-A6C34878D82A}">
+                    <a16:rowId xmlns:a16="http://schemas.microsoft.com/office/drawing/2014/main" val="10001"/>
+                  </a:ext>
+                </a:extLst>
+              </a:tr>
+              <a:tr h="370840">
+                <a:tc>
+                  <a:txBody>
+                    <a:bodyPr/>
+                    <a:lstStyle/>
+                    <a:p>
+                      <a:r>
+                        <a:rPr lang="de-DE" dirty="0"/>
+                        <a:t>Rotor</a:t>
+                      </a:r>
+                    </a:p>
+                  </a:txBody>
+                  <a:tcPr/>
+                </a:tc>
+                <a:tc>
+                  <a:txBody>
+                    <a:bodyPr/>
+                    <a:lstStyle/>
+                    <a:p>
+                      <a:r>
+                        <a:rPr lang="de-DE" sz="1800" kern="1200" dirty="0">
+                          <a:solidFill>
+                            <a:schemeClr val="dk1"/>
+                          </a:solidFill>
+                          <a:effectLst/>
+                          <a:latin typeface="+mn-lt"/>
+                          <a:ea typeface="+mn-ea"/>
+                          <a:cs typeface="+mn-cs"/>
+                        </a:rPr>
+                        <a:t>41</a:t>
+                      </a:r>
+                      <a:endParaRPr lang="de-DE" dirty="0"/>
+                    </a:p>
+                  </a:txBody>
+                  <a:tcPr/>
+                </a:tc>
+                <a:extLst>
+                  <a:ext uri="{0D108BD9-81ED-4DB2-BD59-A6C34878D82A}">
+                    <a16:rowId xmlns:a16="http://schemas.microsoft.com/office/drawing/2014/main" val="10002"/>
+                  </a:ext>
+                </a:extLst>
+              </a:tr>
+            </a:tbl>
+          </a:graphicData>
+        </a:graphic>
+      </p:graphicFrame>
     </p:spTree>
     <p:extLst>
       <p:ext uri="{BB962C8B-B14F-4D97-AF65-F5344CB8AC3E}">

--- a/Präsentation/Abschluss_Präsentation_Simon.pptx
+++ b/Präsentation/Abschluss_Präsentation_Simon.pptx
@@ -583,6 +583,33 @@
   </p:cSld>
   <p:clrMap bg1="lt1" tx1="dk1" bg2="lt2" tx2="dk2" accent1="accent1" accent2="accent2" accent3="accent3" accent4="accent4" accent5="accent5" accent6="accent6" hlink="hlink" folHlink="folHlink"/>
 </p:handoutMaster>
+</file>
+
+<file path=ppt/ink/ink1.xml><?xml version="1.0" encoding="utf-8"?>
+<inkml:ink xmlns:inkml="http://www.w3.org/2003/InkML">
+  <inkml:definitions>
+    <inkml:context xml:id="ctx0">
+      <inkml:inkSource xml:id="inkSrc0">
+        <inkml:traceFormat>
+          <inkml:channel name="X" type="integer" min="-2.14748E9" max="2.14748E9" units="cm"/>
+          <inkml:channel name="Y" type="integer" min="-2.14748E9" max="2.14748E9" units="cm"/>
+        </inkml:traceFormat>
+        <inkml:channelProperties>
+          <inkml:channelProperty channel="X" name="resolution" value="1000" units="1/cm"/>
+          <inkml:channelProperty channel="Y" name="resolution" value="1000" units="1/cm"/>
+        </inkml:channelProperties>
+      </inkml:inkSource>
+    </inkml:context>
+    <inkml:brush xml:id="br0">
+      <inkml:brushProperty name="width" value="0.10583" units="cm"/>
+      <inkml:brushProperty name="height" value="0.10583" units="cm"/>
+      <inkml:brushProperty name="color" value="#004E8A"/>
+    </inkml:brush>
+  </inkml:definitions>
+  <inkml:trace contextRef="#ctx0" brushRef="#br0">116 1,'0'4044,"4741"-4044</inkml:trace>
+  <inkml:trace contextRef="#ctx0" brushRef="#br0">4627 3930,'230'115,"-460"0</inkml:trace>
+  <inkml:trace contextRef="#ctx0" brushRef="#br0">1 231,'115'-230,"0"460</inkml:trace>
+</inkml:ink>
 </file>
 
 <file path=ppt/notesMasters/notesMaster1.xml><?xml version="1.0" encoding="utf-8"?>
@@ -7235,29 +7262,427 @@
             <p:ph idx="1"/>
           </p:nvPr>
         </p:nvSpPr>
-        <p:spPr/>
+        <p:spPr>
+          <a:xfrm>
+            <a:off x="360000" y="1620000"/>
+            <a:ext cx="8244448" cy="4479943"/>
+          </a:xfrm>
+        </p:spPr>
         <p:txBody>
           <a:bodyPr/>
           <a:lstStyle/>
           <a:p>
             <a:r>
               <a:rPr lang="de-DE" dirty="0"/>
-              <a:t>Durchgeführten </a:t>
-            </a:r>
-            <a:r>
-              <a:rPr lang="de-DE" dirty="0" err="1"/>
-              <a:t>Gittersstudien</a:t>
-            </a:r>
+              <a:t>Einige durchgeführte Gitterstudien</a:t>
+            </a:r>
+          </a:p>
+          <a:p>
+            <a:pPr lvl="2"/>
             <a:r>
               <a:rPr lang="de-DE" dirty="0"/>
-              <a:t>, Spalt, Verfeinerungen, ….</a:t>
-            </a:r>
-          </a:p>
-          <a:p>
+              <a:t>Spaltverfeinerungen</a:t>
+            </a:r>
+          </a:p>
+          <a:p>
+            <a:pPr lvl="2"/>
             <a:r>
               <a:rPr lang="de-DE" dirty="0"/>
-              <a:t>Was es kann</a:t>
-            </a:r>
+              <a:t>Verfeinerungsstufen</a:t>
+            </a:r>
+          </a:p>
+          <a:p>
+            <a:pPr lvl="1">
+              <a:buFont typeface="Wingdings" panose="05000000000000000000" pitchFamily="2" charset="2"/>
+              <a:buChar char="Ø"/>
+            </a:pPr>
+            <a:r>
+              <a:rPr lang="de-DE" dirty="0"/>
+              <a:t> Auswertungstool zur vereinfachten Auswertung von Gitterstudien</a:t>
+            </a:r>
+          </a:p>
+        </p:txBody>
+      </p:sp>
+      <p:grpSp>
+        <p:nvGrpSpPr>
+          <p:cNvPr id="17" name="Gruppieren 16">
+            <a:extLst>
+              <a:ext uri="{FF2B5EF4-FFF2-40B4-BE49-F238E27FC236}">
+                <a16:creationId xmlns:a16="http://schemas.microsoft.com/office/drawing/2014/main" id="{838A2A82-2EBF-467C-93BB-07AD8A399433}"/>
+              </a:ext>
+            </a:extLst>
+          </p:cNvPr>
+          <p:cNvGrpSpPr/>
+          <p:nvPr/>
+        </p:nvGrpSpPr>
+        <p:grpSpPr>
+          <a:xfrm>
+            <a:off x="796167" y="4120653"/>
+            <a:ext cx="7328907" cy="1497013"/>
+            <a:chOff x="796167" y="4120653"/>
+            <a:chExt cx="7328907" cy="1497013"/>
+          </a:xfrm>
+        </p:grpSpPr>
+        <p:sp>
+          <p:nvSpPr>
+            <p:cNvPr id="4" name="Rechteck 3">
+              <a:extLst>
+                <a:ext uri="{FF2B5EF4-FFF2-40B4-BE49-F238E27FC236}">
+                  <a16:creationId xmlns:a16="http://schemas.microsoft.com/office/drawing/2014/main" id="{5AC66111-9D77-45E2-8366-2D677CD340E4}"/>
+                </a:ext>
+              </a:extLst>
+            </p:cNvPr>
+            <p:cNvSpPr/>
+            <p:nvPr/>
+          </p:nvSpPr>
+          <p:spPr>
+            <a:xfrm>
+              <a:off x="3469942" y="4149080"/>
+              <a:ext cx="1512168" cy="1368152"/>
+            </a:xfrm>
+            <a:prstGeom prst="rect">
+              <a:avLst/>
+            </a:prstGeom>
+            <a:noFill/>
+            <a:ln w="38100">
+              <a:solidFill>
+                <a:srgbClr val="004E8A"/>
+              </a:solidFill>
+            </a:ln>
+          </p:spPr>
+          <p:style>
+            <a:lnRef idx="2">
+              <a:schemeClr val="accent1">
+                <a:shade val="50000"/>
+              </a:schemeClr>
+            </a:lnRef>
+            <a:fillRef idx="1">
+              <a:schemeClr val="accent1"/>
+            </a:fillRef>
+            <a:effectRef idx="0">
+              <a:schemeClr val="accent1"/>
+            </a:effectRef>
+            <a:fontRef idx="minor">
+              <a:schemeClr val="lt1"/>
+            </a:fontRef>
+          </p:style>
+          <p:txBody>
+            <a:bodyPr rtlCol="0" anchor="ctr"/>
+            <a:lstStyle/>
+            <a:p>
+              <a:pPr algn="ctr"/>
+              <a:r>
+                <a:rPr lang="de-DE" dirty="0">
+                  <a:solidFill>
+                    <a:srgbClr val="004E8A"/>
+                  </a:solidFill>
+                </a:rPr>
+                <a:t>Tool</a:t>
+              </a:r>
+            </a:p>
+          </p:txBody>
+        </p:sp>
+        <p:sp>
+          <p:nvSpPr>
+            <p:cNvPr id="5" name="Pfeil: nach rechts 4">
+              <a:extLst>
+                <a:ext uri="{FF2B5EF4-FFF2-40B4-BE49-F238E27FC236}">
+                  <a16:creationId xmlns:a16="http://schemas.microsoft.com/office/drawing/2014/main" id="{430FE81A-2C61-43E6-9FBF-97EFE5A0F7F0}"/>
+                </a:ext>
+              </a:extLst>
+            </p:cNvPr>
+            <p:cNvSpPr/>
+            <p:nvPr/>
+          </p:nvSpPr>
+          <p:spPr>
+            <a:xfrm>
+              <a:off x="2209802" y="4653136"/>
+              <a:ext cx="936104" cy="432048"/>
+            </a:xfrm>
+            <a:prstGeom prst="rightArrow">
+              <a:avLst/>
+            </a:prstGeom>
+            <a:solidFill>
+              <a:srgbClr val="004E8A"/>
+            </a:solidFill>
+            <a:ln w="38100">
+              <a:solidFill>
+                <a:srgbClr val="004E8A"/>
+              </a:solidFill>
+            </a:ln>
+          </p:spPr>
+          <p:style>
+            <a:lnRef idx="2">
+              <a:schemeClr val="accent1">
+                <a:shade val="50000"/>
+              </a:schemeClr>
+            </a:lnRef>
+            <a:fillRef idx="1">
+              <a:schemeClr val="accent1"/>
+            </a:fillRef>
+            <a:effectRef idx="0">
+              <a:schemeClr val="accent1"/>
+            </a:effectRef>
+            <a:fontRef idx="minor">
+              <a:schemeClr val="lt1"/>
+            </a:fontRef>
+          </p:style>
+          <p:txBody>
+            <a:bodyPr rtlCol="0" anchor="ctr"/>
+            <a:lstStyle/>
+            <a:p>
+              <a:pPr algn="ctr"/>
+              <a:endParaRPr lang="de-DE"/>
+            </a:p>
+          </p:txBody>
+        </p:sp>
+        <p:sp>
+          <p:nvSpPr>
+            <p:cNvPr id="6" name="Pfeil: nach rechts 5">
+              <a:extLst>
+                <a:ext uri="{FF2B5EF4-FFF2-40B4-BE49-F238E27FC236}">
+                  <a16:creationId xmlns:a16="http://schemas.microsoft.com/office/drawing/2014/main" id="{22128C84-0437-45B7-8DD2-79E91A2AB551}"/>
+                </a:ext>
+              </a:extLst>
+            </p:cNvPr>
+            <p:cNvSpPr/>
+            <p:nvPr/>
+          </p:nvSpPr>
+          <p:spPr>
+            <a:xfrm>
+              <a:off x="5306146" y="4653136"/>
+              <a:ext cx="936104" cy="432048"/>
+            </a:xfrm>
+            <a:prstGeom prst="rightArrow">
+              <a:avLst/>
+            </a:prstGeom>
+            <a:solidFill>
+              <a:srgbClr val="004E8A"/>
+            </a:solidFill>
+            <a:ln w="38100">
+              <a:solidFill>
+                <a:srgbClr val="004E8A"/>
+              </a:solidFill>
+            </a:ln>
+          </p:spPr>
+          <p:style>
+            <a:lnRef idx="2">
+              <a:schemeClr val="accent1">
+                <a:shade val="50000"/>
+              </a:schemeClr>
+            </a:lnRef>
+            <a:fillRef idx="1">
+              <a:schemeClr val="accent1"/>
+            </a:fillRef>
+            <a:effectRef idx="0">
+              <a:schemeClr val="accent1"/>
+            </a:effectRef>
+            <a:fontRef idx="minor">
+              <a:schemeClr val="lt1"/>
+            </a:fontRef>
+          </p:style>
+          <p:txBody>
+            <a:bodyPr rtlCol="0" anchor="ctr"/>
+            <a:lstStyle/>
+            <a:p>
+              <a:pPr algn="ctr"/>
+              <a:endParaRPr lang="de-DE"/>
+            </a:p>
+          </p:txBody>
+        </p:sp>
+        <p:pic>
+          <p:nvPicPr>
+            <p:cNvPr id="8" name="Grafik 7" descr="Tabelle">
+              <a:extLst>
+                <a:ext uri="{FF2B5EF4-FFF2-40B4-BE49-F238E27FC236}">
+                  <a16:creationId xmlns:a16="http://schemas.microsoft.com/office/drawing/2014/main" id="{A884EAE8-AE15-4254-87C4-7E8863B252B4}"/>
+                </a:ext>
+              </a:extLst>
+            </p:cNvPr>
+            <p:cNvPicPr>
+              <a:picLocks noChangeAspect="1"/>
+            </p:cNvPicPr>
+            <p:nvPr/>
+          </p:nvPicPr>
+          <p:blipFill>
+            <a:blip r:embed="rId3">
+              <a:extLst>
+                <a:ext uri="{28A0092B-C50C-407E-A947-70E740481C1C}">
+                  <a14:useLocalDpi xmlns:a14="http://schemas.microsoft.com/office/drawing/2010/main" val="0"/>
+                </a:ext>
+                <a:ext uri="{96DAC541-7B7A-43D3-8B79-37D633B846F1}">
+                  <asvg:svgBlip xmlns:asvg="http://schemas.microsoft.com/office/drawing/2016/SVG/main" r:embed="rId4"/>
+                </a:ext>
+              </a:extLst>
+            </a:blip>
+            <a:stretch>
+              <a:fillRect/>
+            </a:stretch>
+          </p:blipFill>
+          <p:spPr>
+            <a:xfrm>
+              <a:off x="827584" y="4293096"/>
+              <a:ext cx="1166194" cy="1166194"/>
+            </a:xfrm>
+            <a:prstGeom prst="rect">
+              <a:avLst/>
+            </a:prstGeom>
+          </p:spPr>
+        </p:pic>
+        <mc:AlternateContent xmlns:mc="http://schemas.openxmlformats.org/markup-compatibility/2006">
+          <mc:Choice xmlns:p14="http://schemas.microsoft.com/office/powerpoint/2010/main" Requires="p14">
+            <p:contentPart p14:bwMode="auto" r:id="rId5">
+              <p14:nvContentPartPr>
+                <p14:cNvPr id="11" name="Freihand 10">
+                  <a:extLst>
+                    <a:ext uri="{FF2B5EF4-FFF2-40B4-BE49-F238E27FC236}">
+                      <a16:creationId xmlns:a16="http://schemas.microsoft.com/office/drawing/2014/main" id="{BAEB0D36-C77E-4E79-9205-DCCFD9AE95C2}"/>
+                    </a:ext>
+                  </a:extLst>
+                </p14:cNvPr>
+                <p14:cNvContentPartPr/>
+                <p14:nvPr/>
+              </p14:nvContentPartPr>
+              <p14:xfrm>
+                <a:off x="6375649" y="4120653"/>
+                <a:ext cx="1749425" cy="1497013"/>
+              </p14:xfrm>
+            </p:contentPart>
+          </mc:Choice>
+          <mc:Fallback>
+            <p:pic>
+              <p:nvPicPr>
+                <p:cNvPr id="11" name="Freihand 10">
+                  <a:extLst>
+                    <a:ext uri="{FF2B5EF4-FFF2-40B4-BE49-F238E27FC236}">
+                      <a16:creationId xmlns:a16="http://schemas.microsoft.com/office/drawing/2014/main" id="{BAEB0D36-C77E-4E79-9205-DCCFD9AE95C2}"/>
+                    </a:ext>
+                  </a:extLst>
+                </p:cNvPr>
+                <p:cNvPicPr/>
+                <p:nvPr/>
+              </p:nvPicPr>
+              <p:blipFill>
+                <a:blip r:embed="rId6"/>
+                <a:stretch>
+                  <a:fillRect/>
+                </a:stretch>
+              </p:blipFill>
+              <p:spPr>
+                <a:xfrm>
+                  <a:off x="6356559" y="4101580"/>
+                  <a:ext cx="1787245" cy="1534798"/>
+                </a:xfrm>
+                <a:prstGeom prst="rect">
+                  <a:avLst/>
+                </a:prstGeom>
+              </p:spPr>
+            </p:pic>
+          </mc:Fallback>
+        </mc:AlternateContent>
+        <p:sp>
+          <p:nvSpPr>
+            <p:cNvPr id="13" name="Textfeld 12">
+              <a:extLst>
+                <a:ext uri="{FF2B5EF4-FFF2-40B4-BE49-F238E27FC236}">
+                  <a16:creationId xmlns:a16="http://schemas.microsoft.com/office/drawing/2014/main" id="{40CF899D-D965-42DF-99C8-B14FC46B6E55}"/>
+                </a:ext>
+              </a:extLst>
+            </p:cNvPr>
+            <p:cNvSpPr txBox="1"/>
+            <p:nvPr/>
+          </p:nvSpPr>
+          <p:spPr>
+            <a:xfrm>
+              <a:off x="796167" y="5219908"/>
+              <a:ext cx="1307465" cy="369332"/>
+            </a:xfrm>
+            <a:prstGeom prst="rect">
+              <a:avLst/>
+            </a:prstGeom>
+            <a:noFill/>
+          </p:spPr>
+          <p:txBody>
+            <a:bodyPr wrap="square" rtlCol="0">
+              <a:spAutoFit/>
+            </a:bodyPr>
+            <a:lstStyle/>
+            <a:p>
+              <a:r>
+                <a:rPr lang="de-DE" dirty="0">
+                  <a:solidFill>
+                    <a:srgbClr val="004E8A"/>
+                  </a:solidFill>
+                </a:rPr>
+                <a:t>.</a:t>
+              </a:r>
+              <a:r>
+                <a:rPr lang="de-DE" dirty="0" err="1">
+                  <a:solidFill>
+                    <a:srgbClr val="004E8A"/>
+                  </a:solidFill>
+                </a:rPr>
+                <a:t>csv</a:t>
+              </a:r>
+              <a:r>
+                <a:rPr lang="de-DE" dirty="0">
+                  <a:solidFill>
+                    <a:srgbClr val="004E8A"/>
+                  </a:solidFill>
+                </a:rPr>
+                <a:t>-Datei</a:t>
+              </a:r>
+            </a:p>
+          </p:txBody>
+        </p:sp>
+      </p:grpSp>
+      <p:sp>
+        <p:nvSpPr>
+          <p:cNvPr id="16" name="Bogen 15">
+            <a:extLst>
+              <a:ext uri="{FF2B5EF4-FFF2-40B4-BE49-F238E27FC236}">
+                <a16:creationId xmlns:a16="http://schemas.microsoft.com/office/drawing/2014/main" id="{3BCE3ACB-65E5-490B-B063-76790CFDFC2E}"/>
+              </a:ext>
+            </a:extLst>
+          </p:cNvPr>
+          <p:cNvSpPr/>
+          <p:nvPr/>
+        </p:nvSpPr>
+        <p:spPr>
+          <a:xfrm flipH="1">
+            <a:off x="6414883" y="4581128"/>
+            <a:ext cx="3238200" cy="1277677"/>
+          </a:xfrm>
+          <a:prstGeom prst="arc">
+            <a:avLst/>
+          </a:prstGeom>
+          <a:noFill/>
+          <a:ln w="28575">
+            <a:solidFill>
+              <a:srgbClr val="004E8A"/>
+            </a:solidFill>
+          </a:ln>
+        </p:spPr>
+        <p:style>
+          <a:lnRef idx="1">
+            <a:schemeClr val="accent1"/>
+          </a:lnRef>
+          <a:fillRef idx="0">
+            <a:schemeClr val="accent1"/>
+          </a:fillRef>
+          <a:effectRef idx="0">
+            <a:schemeClr val="accent1"/>
+          </a:effectRef>
+          <a:fontRef idx="minor">
+            <a:schemeClr val="tx1"/>
+          </a:fontRef>
+        </p:style>
+        <p:txBody>
+          <a:bodyPr rtlCol="0" anchor="ctr"/>
+          <a:lstStyle/>
+          <a:p>
+            <a:pPr algn="ctr"/>
+            <a:endParaRPr lang="de-DE"/>
           </a:p>
         </p:txBody>
       </p:sp>
@@ -8853,8 +9278,8 @@
         </p:blipFill>
         <p:spPr>
           <a:xfrm>
-            <a:off x="1259632" y="1742838"/>
-            <a:ext cx="6823075" cy="3372324"/>
+            <a:off x="1691680" y="1740373"/>
+            <a:ext cx="5904656" cy="2918393"/>
           </a:xfrm>
         </p:spPr>
       </p:pic>
@@ -8873,14 +9298,14 @@
           <p:nvPr>
             <p:extLst>
               <p:ext uri="{D42A27DB-BD31-4B8C-83A1-F6EECF244321}">
-                <p14:modId xmlns:p14="http://schemas.microsoft.com/office/powerpoint/2010/main" val="2450104015"/>
+                <p14:modId xmlns:p14="http://schemas.microsoft.com/office/powerpoint/2010/main" val="1773131864"/>
               </p:ext>
             </p:extLst>
           </p:nvPr>
         </p:nvGraphicFramePr>
         <p:xfrm>
-          <a:off x="638256" y="1772816"/>
-          <a:ext cx="6823076" cy="1112520"/>
+          <a:off x="2879812" y="4827470"/>
+          <a:ext cx="3528392" cy="1483360"/>
         </p:xfrm>
         <a:graphic>
           <a:graphicData uri="http://schemas.openxmlformats.org/drawingml/2006/table">
@@ -8889,14 +9314,14 @@
                 <a:tableStyleId>{93296810-A885-4BE3-A3E7-6D5BEEA58F35}</a:tableStyleId>
               </a:tblPr>
               <a:tblGrid>
-                <a:gridCol w="3411538">
+                <a:gridCol w="987371">
                   <a:extLst>
                     <a:ext uri="{9D8B030D-6E8A-4147-A177-3AD203B41FA5}">
                       <a16:colId xmlns:a16="http://schemas.microsoft.com/office/drawing/2014/main" val="20000"/>
                     </a:ext>
                   </a:extLst>
                 </a:gridCol>
-                <a:gridCol w="3411538">
+                <a:gridCol w="2541021">
                   <a:extLst>
                     <a:ext uri="{9D8B030D-6E8A-4147-A177-3AD203B41FA5}">
                       <a16:colId xmlns:a16="http://schemas.microsoft.com/office/drawing/2014/main" val="20001"/>
@@ -8913,7 +9338,11 @@
                       <a:endParaRPr lang="de-DE" dirty="0"/>
                     </a:p>
                   </a:txBody>
-                  <a:tcPr/>
+                  <a:tcPr>
+                    <a:solidFill>
+                      <a:srgbClr val="004E8A"/>
+                    </a:solidFill>
+                  </a:tcPr>
                 </a:tc>
                 <a:tc>
                   <a:txBody>
@@ -8922,11 +9351,15 @@
                     <a:p>
                       <a:r>
                         <a:rPr lang="de-DE" dirty="0"/>
-                        <a:t>Anzahl Schaufeln</a:t>
+                        <a:t># Schaufeln</a:t>
                       </a:r>
                     </a:p>
                   </a:txBody>
-                  <a:tcPr/>
+                  <a:tcPr>
+                    <a:solidFill>
+                      <a:srgbClr val="004E8A"/>
+                    </a:solidFill>
+                  </a:tcPr>
                 </a:tc>
                 <a:extLst>
                   <a:ext uri="{0D108BD9-81ED-4DB2-BD59-A6C34878D82A}">
@@ -9006,6 +9439,39 @@
                 <a:extLst>
                   <a:ext uri="{0D108BD9-81ED-4DB2-BD59-A6C34878D82A}">
                     <a16:rowId xmlns:a16="http://schemas.microsoft.com/office/drawing/2014/main" val="10002"/>
+                  </a:ext>
+                </a:extLst>
+              </a:tr>
+              <a:tr h="370840">
+                <a:tc>
+                  <a:txBody>
+                    <a:bodyPr/>
+                    <a:lstStyle/>
+                    <a:p>
+                      <a:r>
+                        <a:rPr lang="de-DE" dirty="0"/>
+                        <a:t>Stator 2</a:t>
+                      </a:r>
+                    </a:p>
+                  </a:txBody>
+                  <a:tcPr/>
+                </a:tc>
+                <a:tc>
+                  <a:txBody>
+                    <a:bodyPr/>
+                    <a:lstStyle/>
+                    <a:p>
+                      <a:r>
+                        <a:rPr lang="de-DE" dirty="0"/>
+                        <a:t>36</a:t>
+                      </a:r>
+                    </a:p>
+                  </a:txBody>
+                  <a:tcPr/>
+                </a:tc>
+                <a:extLst>
+                  <a:ext uri="{0D108BD9-81ED-4DB2-BD59-A6C34878D82A}">
+                    <a16:rowId xmlns:a16="http://schemas.microsoft.com/office/drawing/2014/main" val="2204661245"/>
                   </a:ext>
                 </a:extLst>
               </a:tr>

--- a/Präsentation/Abschluss_Präsentation_Simon.pptx
+++ b/Präsentation/Abschluss_Präsentation_Simon.pptx
@@ -607,9 +607,9 @@
       <inkml:brushProperty name="color" value="#004E8A"/>
     </inkml:brush>
   </inkml:definitions>
-  <inkml:trace contextRef="#ctx0" brushRef="#br0">116 1,'0'4044,"4741"-4044</inkml:trace>
-  <inkml:trace contextRef="#ctx0" brushRef="#br0" timeOffset="1">4627 3930,'230'115,"-460"0</inkml:trace>
-  <inkml:trace contextRef="#ctx0" brushRef="#br0" timeOffset="2">1 231,'115'-230,"0"460</inkml:trace>
+  <inkml:trace contextRef="#ctx0" brushRef="#br0">120 1,'0'4604,"4917"-4604</inkml:trace>
+  <inkml:trace contextRef="#ctx0" brushRef="#br0" timeOffset="1">4798 4474,'239'131,"-478"0</inkml:trace>
+  <inkml:trace contextRef="#ctx0" brushRef="#br0" timeOffset="2">1 263,'119'-262,"1"524</inkml:trace>
 </inkml:ink>
 </file>
 
@@ -7275,7 +7275,7 @@
           <a:p>
             <a:r>
               <a:rPr lang="de-DE" dirty="0"/>
-              <a:t>Einige durchgeführte Gitterstudien</a:t>
+              <a:t>Durchführung einiger Gitterstudien</a:t>
             </a:r>
           </a:p>
           <a:p>
@@ -7308,410 +7308,6 @@
           </a:p>
         </p:txBody>
       </p:sp>
-      <p:grpSp>
-        <p:nvGrpSpPr>
-          <p:cNvPr id="7" name="Gruppieren 6">
-            <a:extLst>
-              <a:ext uri="{FF2B5EF4-FFF2-40B4-BE49-F238E27FC236}">
-                <a16:creationId xmlns:a16="http://schemas.microsoft.com/office/drawing/2014/main" id="{312F6267-0819-4C2C-A3FE-A4E7123C49AC}"/>
-              </a:ext>
-            </a:extLst>
-          </p:cNvPr>
-          <p:cNvGrpSpPr/>
-          <p:nvPr/>
-        </p:nvGrpSpPr>
-        <p:grpSpPr>
-          <a:xfrm>
-            <a:off x="796167" y="4120653"/>
-            <a:ext cx="8856916" cy="1738152"/>
-            <a:chOff x="796167" y="4120653"/>
-            <a:chExt cx="8856916" cy="1738152"/>
-          </a:xfrm>
-        </p:grpSpPr>
-        <p:grpSp>
-          <p:nvGrpSpPr>
-            <p:cNvPr id="17" name="Gruppieren 16">
-              <a:extLst>
-                <a:ext uri="{FF2B5EF4-FFF2-40B4-BE49-F238E27FC236}">
-                  <a16:creationId xmlns:a16="http://schemas.microsoft.com/office/drawing/2014/main" id="{838A2A82-2EBF-467C-93BB-07AD8A399433}"/>
-                </a:ext>
-              </a:extLst>
-            </p:cNvPr>
-            <p:cNvGrpSpPr/>
-            <p:nvPr/>
-          </p:nvGrpSpPr>
-          <p:grpSpPr>
-            <a:xfrm>
-              <a:off x="796167" y="4120653"/>
-              <a:ext cx="7328907" cy="1497013"/>
-              <a:chOff x="796167" y="4120653"/>
-              <a:chExt cx="7328907" cy="1497013"/>
-            </a:xfrm>
-          </p:grpSpPr>
-          <p:sp>
-            <p:nvSpPr>
-              <p:cNvPr id="4" name="Rechteck 3">
-                <a:extLst>
-                  <a:ext uri="{FF2B5EF4-FFF2-40B4-BE49-F238E27FC236}">
-                    <a16:creationId xmlns:a16="http://schemas.microsoft.com/office/drawing/2014/main" id="{5AC66111-9D77-45E2-8366-2D677CD340E4}"/>
-                  </a:ext>
-                </a:extLst>
-              </p:cNvPr>
-              <p:cNvSpPr/>
-              <p:nvPr/>
-            </p:nvSpPr>
-            <p:spPr>
-              <a:xfrm>
-                <a:off x="3469942" y="4149080"/>
-                <a:ext cx="1512168" cy="1368152"/>
-              </a:xfrm>
-              <a:prstGeom prst="rect">
-                <a:avLst/>
-              </a:prstGeom>
-              <a:noFill/>
-              <a:ln w="38100">
-                <a:solidFill>
-                  <a:srgbClr val="004E8A"/>
-                </a:solidFill>
-              </a:ln>
-            </p:spPr>
-            <p:style>
-              <a:lnRef idx="2">
-                <a:schemeClr val="accent1">
-                  <a:shade val="50000"/>
-                </a:schemeClr>
-              </a:lnRef>
-              <a:fillRef idx="1">
-                <a:schemeClr val="accent1"/>
-              </a:fillRef>
-              <a:effectRef idx="0">
-                <a:schemeClr val="accent1"/>
-              </a:effectRef>
-              <a:fontRef idx="minor">
-                <a:schemeClr val="lt1"/>
-              </a:fontRef>
-            </p:style>
-            <p:txBody>
-              <a:bodyPr rtlCol="0" anchor="ctr"/>
-              <a:lstStyle/>
-              <a:p>
-                <a:pPr algn="ctr"/>
-                <a:r>
-                  <a:rPr lang="de-DE" dirty="0">
-                    <a:solidFill>
-                      <a:srgbClr val="004E8A"/>
-                    </a:solidFill>
-                  </a:rPr>
-                  <a:t>Tool</a:t>
-                </a:r>
-              </a:p>
-            </p:txBody>
-          </p:sp>
-          <p:sp>
-            <p:nvSpPr>
-              <p:cNvPr id="5" name="Pfeil: nach rechts 4">
-                <a:extLst>
-                  <a:ext uri="{FF2B5EF4-FFF2-40B4-BE49-F238E27FC236}">
-                    <a16:creationId xmlns:a16="http://schemas.microsoft.com/office/drawing/2014/main" id="{430FE81A-2C61-43E6-9FBF-97EFE5A0F7F0}"/>
-                  </a:ext>
-                </a:extLst>
-              </p:cNvPr>
-              <p:cNvSpPr/>
-              <p:nvPr/>
-            </p:nvSpPr>
-            <p:spPr>
-              <a:xfrm>
-                <a:off x="2209802" y="4653136"/>
-                <a:ext cx="936104" cy="432048"/>
-              </a:xfrm>
-              <a:prstGeom prst="rightArrow">
-                <a:avLst/>
-              </a:prstGeom>
-              <a:solidFill>
-                <a:srgbClr val="004E8A"/>
-              </a:solidFill>
-              <a:ln w="38100">
-                <a:solidFill>
-                  <a:srgbClr val="004E8A"/>
-                </a:solidFill>
-              </a:ln>
-            </p:spPr>
-            <p:style>
-              <a:lnRef idx="2">
-                <a:schemeClr val="accent1">
-                  <a:shade val="50000"/>
-                </a:schemeClr>
-              </a:lnRef>
-              <a:fillRef idx="1">
-                <a:schemeClr val="accent1"/>
-              </a:fillRef>
-              <a:effectRef idx="0">
-                <a:schemeClr val="accent1"/>
-              </a:effectRef>
-              <a:fontRef idx="minor">
-                <a:schemeClr val="lt1"/>
-              </a:fontRef>
-            </p:style>
-            <p:txBody>
-              <a:bodyPr rtlCol="0" anchor="ctr"/>
-              <a:lstStyle/>
-              <a:p>
-                <a:pPr algn="ctr"/>
-                <a:endParaRPr lang="de-DE"/>
-              </a:p>
-            </p:txBody>
-          </p:sp>
-          <p:sp>
-            <p:nvSpPr>
-              <p:cNvPr id="6" name="Pfeil: nach rechts 5">
-                <a:extLst>
-                  <a:ext uri="{FF2B5EF4-FFF2-40B4-BE49-F238E27FC236}">
-                    <a16:creationId xmlns:a16="http://schemas.microsoft.com/office/drawing/2014/main" id="{22128C84-0437-45B7-8DD2-79E91A2AB551}"/>
-                  </a:ext>
-                </a:extLst>
-              </p:cNvPr>
-              <p:cNvSpPr/>
-              <p:nvPr/>
-            </p:nvSpPr>
-            <p:spPr>
-              <a:xfrm>
-                <a:off x="5306146" y="4653136"/>
-                <a:ext cx="936104" cy="432048"/>
-              </a:xfrm>
-              <a:prstGeom prst="rightArrow">
-                <a:avLst/>
-              </a:prstGeom>
-              <a:solidFill>
-                <a:srgbClr val="004E8A"/>
-              </a:solidFill>
-              <a:ln w="38100">
-                <a:solidFill>
-                  <a:srgbClr val="004E8A"/>
-                </a:solidFill>
-              </a:ln>
-            </p:spPr>
-            <p:style>
-              <a:lnRef idx="2">
-                <a:schemeClr val="accent1">
-                  <a:shade val="50000"/>
-                </a:schemeClr>
-              </a:lnRef>
-              <a:fillRef idx="1">
-                <a:schemeClr val="accent1"/>
-              </a:fillRef>
-              <a:effectRef idx="0">
-                <a:schemeClr val="accent1"/>
-              </a:effectRef>
-              <a:fontRef idx="minor">
-                <a:schemeClr val="lt1"/>
-              </a:fontRef>
-            </p:style>
-            <p:txBody>
-              <a:bodyPr rtlCol="0" anchor="ctr"/>
-              <a:lstStyle/>
-              <a:p>
-                <a:pPr algn="ctr"/>
-                <a:endParaRPr lang="de-DE"/>
-              </a:p>
-            </p:txBody>
-          </p:sp>
-          <p:pic>
-            <p:nvPicPr>
-              <p:cNvPr id="8" name="Grafik 7" descr="Tabelle">
-                <a:extLst>
-                  <a:ext uri="{FF2B5EF4-FFF2-40B4-BE49-F238E27FC236}">
-                    <a16:creationId xmlns:a16="http://schemas.microsoft.com/office/drawing/2014/main" id="{A884EAE8-AE15-4254-87C4-7E8863B252B4}"/>
-                  </a:ext>
-                </a:extLst>
-              </p:cNvPr>
-              <p:cNvPicPr>
-                <a:picLocks noChangeAspect="1"/>
-              </p:cNvPicPr>
-              <p:nvPr/>
-            </p:nvPicPr>
-            <p:blipFill>
-              <a:blip r:embed="rId3">
-                <a:extLst>
-                  <a:ext uri="{28A0092B-C50C-407E-A947-70E740481C1C}">
-                    <a14:useLocalDpi xmlns:a14="http://schemas.microsoft.com/office/drawing/2010/main" val="0"/>
-                  </a:ext>
-                  <a:ext uri="{96DAC541-7B7A-43D3-8B79-37D633B846F1}">
-                    <asvg:svgBlip xmlns:asvg="http://schemas.microsoft.com/office/drawing/2016/SVG/main" r:embed="rId4"/>
-                  </a:ext>
-                </a:extLst>
-              </a:blip>
-              <a:stretch>
-                <a:fillRect/>
-              </a:stretch>
-            </p:blipFill>
-            <p:spPr>
-              <a:xfrm>
-                <a:off x="827584" y="4293096"/>
-                <a:ext cx="1166194" cy="1166194"/>
-              </a:xfrm>
-              <a:prstGeom prst="rect">
-                <a:avLst/>
-              </a:prstGeom>
-            </p:spPr>
-          </p:pic>
-          <mc:AlternateContent xmlns:mc="http://schemas.openxmlformats.org/markup-compatibility/2006" xmlns:p14="http://schemas.microsoft.com/office/powerpoint/2010/main">
-            <mc:Choice Requires="p14">
-              <p:contentPart p14:bwMode="auto" r:id="rId5">
-                <p14:nvContentPartPr>
-                  <p14:cNvPr id="11" name="Freihand 10">
-                    <a:extLst>
-                      <a:ext uri="{FF2B5EF4-FFF2-40B4-BE49-F238E27FC236}">
-                        <a16:creationId xmlns:a16="http://schemas.microsoft.com/office/drawing/2014/main" id="{BAEB0D36-C77E-4E79-9205-DCCFD9AE95C2}"/>
-                      </a:ext>
-                    </a:extLst>
-                  </p14:cNvPr>
-                  <p14:cNvContentPartPr/>
-                  <p14:nvPr/>
-                </p14:nvContentPartPr>
-                <p14:xfrm>
-                  <a:off x="6375649" y="4120653"/>
-                  <a:ext cx="1749425" cy="1497013"/>
-                </p14:xfrm>
-              </p:contentPart>
-            </mc:Choice>
-            <mc:Fallback xmlns="">
-              <p:pic>
-                <p:nvPicPr>
-                  <p:cNvPr id="11" name="Freihand 10">
-                    <a:extLst>
-                      <a:ext uri="{FF2B5EF4-FFF2-40B4-BE49-F238E27FC236}">
-                        <a16:creationId xmlns:a16="http://schemas.microsoft.com/office/drawing/2014/main" id="{BAEB0D36-C77E-4E79-9205-DCCFD9AE95C2}"/>
-                      </a:ext>
-                    </a:extLst>
-                  </p:cNvPr>
-                  <p:cNvPicPr/>
-                  <p:nvPr/>
-                </p:nvPicPr>
-                <p:blipFill>
-                  <a:blip r:embed="rId6"/>
-                  <a:stretch>
-                    <a:fillRect/>
-                  </a:stretch>
-                </p:blipFill>
-                <p:spPr>
-                  <a:xfrm>
-                    <a:off x="6356559" y="4101580"/>
-                    <a:ext cx="1787245" cy="1534798"/>
-                  </a:xfrm>
-                  <a:prstGeom prst="rect">
-                    <a:avLst/>
-                  </a:prstGeom>
-                </p:spPr>
-              </p:pic>
-            </mc:Fallback>
-          </mc:AlternateContent>
-          <p:sp>
-            <p:nvSpPr>
-              <p:cNvPr id="13" name="Textfeld 12">
-                <a:extLst>
-                  <a:ext uri="{FF2B5EF4-FFF2-40B4-BE49-F238E27FC236}">
-                    <a16:creationId xmlns:a16="http://schemas.microsoft.com/office/drawing/2014/main" id="{40CF899D-D965-42DF-99C8-B14FC46B6E55}"/>
-                  </a:ext>
-                </a:extLst>
-              </p:cNvPr>
-              <p:cNvSpPr txBox="1"/>
-              <p:nvPr/>
-            </p:nvSpPr>
-            <p:spPr>
-              <a:xfrm>
-                <a:off x="796167" y="5219908"/>
-                <a:ext cx="1307465" cy="369332"/>
-              </a:xfrm>
-              <a:prstGeom prst="rect">
-                <a:avLst/>
-              </a:prstGeom>
-              <a:noFill/>
-            </p:spPr>
-            <p:txBody>
-              <a:bodyPr wrap="square" rtlCol="0">
-                <a:spAutoFit/>
-              </a:bodyPr>
-              <a:lstStyle/>
-              <a:p>
-                <a:r>
-                  <a:rPr lang="de-DE" dirty="0">
-                    <a:solidFill>
-                      <a:srgbClr val="004E8A"/>
-                    </a:solidFill>
-                  </a:rPr>
-                  <a:t>.</a:t>
-                </a:r>
-                <a:r>
-                  <a:rPr lang="de-DE" dirty="0" err="1">
-                    <a:solidFill>
-                      <a:srgbClr val="004E8A"/>
-                    </a:solidFill>
-                  </a:rPr>
-                  <a:t>csv</a:t>
-                </a:r>
-                <a:r>
-                  <a:rPr lang="de-DE" dirty="0">
-                    <a:solidFill>
-                      <a:srgbClr val="004E8A"/>
-                    </a:solidFill>
-                  </a:rPr>
-                  <a:t>-Datei</a:t>
-                </a:r>
-              </a:p>
-            </p:txBody>
-          </p:sp>
-        </p:grpSp>
-        <p:sp>
-          <p:nvSpPr>
-            <p:cNvPr id="16" name="Bogen 15">
-              <a:extLst>
-                <a:ext uri="{FF2B5EF4-FFF2-40B4-BE49-F238E27FC236}">
-                  <a16:creationId xmlns:a16="http://schemas.microsoft.com/office/drawing/2014/main" id="{3BCE3ACB-65E5-490B-B063-76790CFDFC2E}"/>
-                </a:ext>
-              </a:extLst>
-            </p:cNvPr>
-            <p:cNvSpPr/>
-            <p:nvPr/>
-          </p:nvSpPr>
-          <p:spPr>
-            <a:xfrm flipH="1">
-              <a:off x="6414883" y="4581128"/>
-              <a:ext cx="3238200" cy="1277677"/>
-            </a:xfrm>
-            <a:prstGeom prst="arc">
-              <a:avLst/>
-            </a:prstGeom>
-            <a:noFill/>
-            <a:ln w="28575">
-              <a:solidFill>
-                <a:srgbClr val="004E8A"/>
-              </a:solidFill>
-            </a:ln>
-          </p:spPr>
-          <p:style>
-            <a:lnRef idx="1">
-              <a:schemeClr val="accent1"/>
-            </a:lnRef>
-            <a:fillRef idx="0">
-              <a:schemeClr val="accent1"/>
-            </a:fillRef>
-            <a:effectRef idx="0">
-              <a:schemeClr val="accent1"/>
-            </a:effectRef>
-            <a:fontRef idx="minor">
-              <a:schemeClr val="tx1"/>
-            </a:fontRef>
-          </p:style>
-          <p:txBody>
-            <a:bodyPr rtlCol="0" anchor="ctr"/>
-            <a:lstStyle/>
-            <a:p>
-              <a:pPr algn="ctr"/>
-              <a:endParaRPr lang="de-DE"/>
-            </a:p>
-          </p:txBody>
-        </p:sp>
-      </p:grpSp>
       <p:sp>
         <p:nvSpPr>
           <p:cNvPr id="9" name="Rechteck 8">
@@ -7764,6 +7360,448 @@
           </a:p>
         </p:txBody>
       </p:sp>
+      <p:grpSp>
+        <p:nvGrpSpPr>
+          <p:cNvPr id="14" name="Gruppieren 13">
+            <a:extLst>
+              <a:ext uri="{FF2B5EF4-FFF2-40B4-BE49-F238E27FC236}">
+                <a16:creationId xmlns:a16="http://schemas.microsoft.com/office/drawing/2014/main" id="{EFCA2D7A-57A5-43F2-AA15-F077EE48C415}"/>
+              </a:ext>
+            </a:extLst>
+          </p:cNvPr>
+          <p:cNvGrpSpPr/>
+          <p:nvPr/>
+        </p:nvGrpSpPr>
+        <p:grpSpPr>
+          <a:xfrm>
+            <a:off x="499029" y="4258021"/>
+            <a:ext cx="9185539" cy="1979291"/>
+            <a:chOff x="796167" y="4120653"/>
+            <a:chExt cx="8856916" cy="1738152"/>
+          </a:xfrm>
+        </p:grpSpPr>
+        <p:grpSp>
+          <p:nvGrpSpPr>
+            <p:cNvPr id="7" name="Gruppieren 6">
+              <a:extLst>
+                <a:ext uri="{FF2B5EF4-FFF2-40B4-BE49-F238E27FC236}">
+                  <a16:creationId xmlns:a16="http://schemas.microsoft.com/office/drawing/2014/main" id="{312F6267-0819-4C2C-A3FE-A4E7123C49AC}"/>
+                </a:ext>
+              </a:extLst>
+            </p:cNvPr>
+            <p:cNvGrpSpPr/>
+            <p:nvPr/>
+          </p:nvGrpSpPr>
+          <p:grpSpPr>
+            <a:xfrm>
+              <a:off x="796167" y="4120653"/>
+              <a:ext cx="8856916" cy="1738152"/>
+              <a:chOff x="796167" y="4120653"/>
+              <a:chExt cx="8856916" cy="1738152"/>
+            </a:xfrm>
+          </p:grpSpPr>
+          <p:grpSp>
+            <p:nvGrpSpPr>
+              <p:cNvPr id="17" name="Gruppieren 16">
+                <a:extLst>
+                  <a:ext uri="{FF2B5EF4-FFF2-40B4-BE49-F238E27FC236}">
+                    <a16:creationId xmlns:a16="http://schemas.microsoft.com/office/drawing/2014/main" id="{838A2A82-2EBF-467C-93BB-07AD8A399433}"/>
+                  </a:ext>
+                </a:extLst>
+              </p:cNvPr>
+              <p:cNvGrpSpPr/>
+              <p:nvPr/>
+            </p:nvGrpSpPr>
+            <p:grpSpPr>
+              <a:xfrm>
+                <a:off x="796167" y="4120653"/>
+                <a:ext cx="7328907" cy="1497013"/>
+                <a:chOff x="796167" y="4120653"/>
+                <a:chExt cx="7328907" cy="1497013"/>
+              </a:xfrm>
+            </p:grpSpPr>
+            <p:sp>
+              <p:nvSpPr>
+                <p:cNvPr id="4" name="Rechteck 3">
+                  <a:extLst>
+                    <a:ext uri="{FF2B5EF4-FFF2-40B4-BE49-F238E27FC236}">
+                      <a16:creationId xmlns:a16="http://schemas.microsoft.com/office/drawing/2014/main" id="{5AC66111-9D77-45E2-8366-2D677CD340E4}"/>
+                    </a:ext>
+                  </a:extLst>
+                </p:cNvPr>
+                <p:cNvSpPr/>
+                <p:nvPr/>
+              </p:nvSpPr>
+              <p:spPr>
+                <a:xfrm>
+                  <a:off x="3469942" y="4149080"/>
+                  <a:ext cx="1512168" cy="1368152"/>
+                </a:xfrm>
+                <a:prstGeom prst="rect">
+                  <a:avLst/>
+                </a:prstGeom>
+                <a:noFill/>
+                <a:ln w="38100">
+                  <a:solidFill>
+                    <a:srgbClr val="004E8A"/>
+                  </a:solidFill>
+                </a:ln>
+              </p:spPr>
+              <p:style>
+                <a:lnRef idx="2">
+                  <a:schemeClr val="accent1">
+                    <a:shade val="50000"/>
+                  </a:schemeClr>
+                </a:lnRef>
+                <a:fillRef idx="1">
+                  <a:schemeClr val="accent1"/>
+                </a:fillRef>
+                <a:effectRef idx="0">
+                  <a:schemeClr val="accent1"/>
+                </a:effectRef>
+                <a:fontRef idx="minor">
+                  <a:schemeClr val="lt1"/>
+                </a:fontRef>
+              </p:style>
+              <p:txBody>
+                <a:bodyPr rtlCol="0" anchor="ctr"/>
+                <a:lstStyle/>
+                <a:p>
+                  <a:pPr algn="ctr"/>
+                  <a:endParaRPr lang="de-DE" dirty="0">
+                    <a:solidFill>
+                      <a:srgbClr val="004E8A"/>
+                    </a:solidFill>
+                  </a:endParaRPr>
+                </a:p>
+              </p:txBody>
+            </p:sp>
+            <p:sp>
+              <p:nvSpPr>
+                <p:cNvPr id="5" name="Pfeil: nach rechts 4">
+                  <a:extLst>
+                    <a:ext uri="{FF2B5EF4-FFF2-40B4-BE49-F238E27FC236}">
+                      <a16:creationId xmlns:a16="http://schemas.microsoft.com/office/drawing/2014/main" id="{430FE81A-2C61-43E6-9FBF-97EFE5A0F7F0}"/>
+                    </a:ext>
+                  </a:extLst>
+                </p:cNvPr>
+                <p:cNvSpPr/>
+                <p:nvPr/>
+              </p:nvSpPr>
+              <p:spPr>
+                <a:xfrm>
+                  <a:off x="2209802" y="4653136"/>
+                  <a:ext cx="936104" cy="432048"/>
+                </a:xfrm>
+                <a:prstGeom prst="rightArrow">
+                  <a:avLst/>
+                </a:prstGeom>
+                <a:solidFill>
+                  <a:srgbClr val="004E8A"/>
+                </a:solidFill>
+                <a:ln w="38100">
+                  <a:solidFill>
+                    <a:srgbClr val="004E8A"/>
+                  </a:solidFill>
+                </a:ln>
+              </p:spPr>
+              <p:style>
+                <a:lnRef idx="2">
+                  <a:schemeClr val="accent1">
+                    <a:shade val="50000"/>
+                  </a:schemeClr>
+                </a:lnRef>
+                <a:fillRef idx="1">
+                  <a:schemeClr val="accent1"/>
+                </a:fillRef>
+                <a:effectRef idx="0">
+                  <a:schemeClr val="accent1"/>
+                </a:effectRef>
+                <a:fontRef idx="minor">
+                  <a:schemeClr val="lt1"/>
+                </a:fontRef>
+              </p:style>
+              <p:txBody>
+                <a:bodyPr rtlCol="0" anchor="ctr"/>
+                <a:lstStyle/>
+                <a:p>
+                  <a:pPr algn="ctr"/>
+                  <a:endParaRPr lang="de-DE"/>
+                </a:p>
+              </p:txBody>
+            </p:sp>
+            <p:sp>
+              <p:nvSpPr>
+                <p:cNvPr id="6" name="Pfeil: nach rechts 5">
+                  <a:extLst>
+                    <a:ext uri="{FF2B5EF4-FFF2-40B4-BE49-F238E27FC236}">
+                      <a16:creationId xmlns:a16="http://schemas.microsoft.com/office/drawing/2014/main" id="{22128C84-0437-45B7-8DD2-79E91A2AB551}"/>
+                    </a:ext>
+                  </a:extLst>
+                </p:cNvPr>
+                <p:cNvSpPr/>
+                <p:nvPr/>
+              </p:nvSpPr>
+              <p:spPr>
+                <a:xfrm>
+                  <a:off x="5306146" y="4653136"/>
+                  <a:ext cx="936104" cy="432048"/>
+                </a:xfrm>
+                <a:prstGeom prst="rightArrow">
+                  <a:avLst/>
+                </a:prstGeom>
+                <a:solidFill>
+                  <a:srgbClr val="004E8A"/>
+                </a:solidFill>
+                <a:ln w="38100">
+                  <a:solidFill>
+                    <a:srgbClr val="004E8A"/>
+                  </a:solidFill>
+                </a:ln>
+              </p:spPr>
+              <p:style>
+                <a:lnRef idx="2">
+                  <a:schemeClr val="accent1">
+                    <a:shade val="50000"/>
+                  </a:schemeClr>
+                </a:lnRef>
+                <a:fillRef idx="1">
+                  <a:schemeClr val="accent1"/>
+                </a:fillRef>
+                <a:effectRef idx="0">
+                  <a:schemeClr val="accent1"/>
+                </a:effectRef>
+                <a:fontRef idx="minor">
+                  <a:schemeClr val="lt1"/>
+                </a:fontRef>
+              </p:style>
+              <p:txBody>
+                <a:bodyPr rtlCol="0" anchor="ctr"/>
+                <a:lstStyle/>
+                <a:p>
+                  <a:pPr algn="ctr"/>
+                  <a:endParaRPr lang="de-DE"/>
+                </a:p>
+              </p:txBody>
+            </p:sp>
+            <p:pic>
+              <p:nvPicPr>
+                <p:cNvPr id="8" name="Grafik 7" descr="Tabelle">
+                  <a:extLst>
+                    <a:ext uri="{FF2B5EF4-FFF2-40B4-BE49-F238E27FC236}">
+                      <a16:creationId xmlns:a16="http://schemas.microsoft.com/office/drawing/2014/main" id="{A884EAE8-AE15-4254-87C4-7E8863B252B4}"/>
+                    </a:ext>
+                  </a:extLst>
+                </p:cNvPr>
+                <p:cNvPicPr>
+                  <a:picLocks noChangeAspect="1"/>
+                </p:cNvPicPr>
+                <p:nvPr/>
+              </p:nvPicPr>
+              <p:blipFill>
+                <a:blip r:embed="rId3">
+                  <a:extLst>
+                    <a:ext uri="{28A0092B-C50C-407E-A947-70E740481C1C}">
+                      <a14:useLocalDpi xmlns:a14="http://schemas.microsoft.com/office/drawing/2010/main" val="0"/>
+                    </a:ext>
+                    <a:ext uri="{96DAC541-7B7A-43D3-8B79-37D633B846F1}">
+                      <asvg:svgBlip xmlns:asvg="http://schemas.microsoft.com/office/drawing/2016/SVG/main" r:embed="rId4"/>
+                    </a:ext>
+                  </a:extLst>
+                </a:blip>
+                <a:stretch>
+                  <a:fillRect/>
+                </a:stretch>
+              </p:blipFill>
+              <p:spPr>
+                <a:xfrm>
+                  <a:off x="827584" y="4293096"/>
+                  <a:ext cx="1166194" cy="1166194"/>
+                </a:xfrm>
+                <a:prstGeom prst="rect">
+                  <a:avLst/>
+                </a:prstGeom>
+              </p:spPr>
+            </p:pic>
+            <mc:AlternateContent xmlns:mc="http://schemas.openxmlformats.org/markup-compatibility/2006" xmlns:p14="http://schemas.microsoft.com/office/powerpoint/2010/main">
+              <mc:Choice Requires="p14">
+                <p:contentPart p14:bwMode="auto" r:id="rId5">
+                  <p14:nvContentPartPr>
+                    <p14:cNvPr id="11" name="Freihand 10">
+                      <a:extLst>
+                        <a:ext uri="{FF2B5EF4-FFF2-40B4-BE49-F238E27FC236}">
+                          <a16:creationId xmlns:a16="http://schemas.microsoft.com/office/drawing/2014/main" id="{BAEB0D36-C77E-4E79-9205-DCCFD9AE95C2}"/>
+                        </a:ext>
+                      </a:extLst>
+                    </p14:cNvPr>
+                    <p14:cNvContentPartPr/>
+                    <p14:nvPr/>
+                  </p14:nvContentPartPr>
+                  <p14:xfrm>
+                    <a:off x="6375649" y="4120653"/>
+                    <a:ext cx="1749425" cy="1497013"/>
+                  </p14:xfrm>
+                </p:contentPart>
+              </mc:Choice>
+              <mc:Fallback xmlns="">
+                <p:pic>
+                  <p:nvPicPr>
+                    <p:cNvPr id="11" name="Freihand 10">
+                      <a:extLst>
+                        <a:ext uri="{FF2B5EF4-FFF2-40B4-BE49-F238E27FC236}">
+                          <a16:creationId xmlns:a16="http://schemas.microsoft.com/office/drawing/2014/main" id="{BAEB0D36-C77E-4E79-9205-DCCFD9AE95C2}"/>
+                        </a:ext>
+                      </a:extLst>
+                    </p:cNvPr>
+                    <p:cNvPicPr/>
+                    <p:nvPr/>
+                  </p:nvPicPr>
+                  <p:blipFill>
+                    <a:blip r:embed="rId6"/>
+                    <a:stretch>
+                      <a:fillRect/>
+                    </a:stretch>
+                  </p:blipFill>
+                  <p:spPr>
+                    <a:xfrm>
+                      <a:off x="6356559" y="4101580"/>
+                      <a:ext cx="1787245" cy="1534798"/>
+                    </a:xfrm>
+                    <a:prstGeom prst="rect">
+                      <a:avLst/>
+                    </a:prstGeom>
+                  </p:spPr>
+                </p:pic>
+              </mc:Fallback>
+            </mc:AlternateContent>
+            <p:sp>
+              <p:nvSpPr>
+                <p:cNvPr id="13" name="Textfeld 12">
+                  <a:extLst>
+                    <a:ext uri="{FF2B5EF4-FFF2-40B4-BE49-F238E27FC236}">
+                      <a16:creationId xmlns:a16="http://schemas.microsoft.com/office/drawing/2014/main" id="{40CF899D-D965-42DF-99C8-B14FC46B6E55}"/>
+                    </a:ext>
+                  </a:extLst>
+                </p:cNvPr>
+                <p:cNvSpPr txBox="1"/>
+                <p:nvPr/>
+              </p:nvSpPr>
+              <p:spPr>
+                <a:xfrm>
+                  <a:off x="796167" y="5219908"/>
+                  <a:ext cx="1307465" cy="369332"/>
+                </a:xfrm>
+                <a:prstGeom prst="rect">
+                  <a:avLst/>
+                </a:prstGeom>
+                <a:noFill/>
+              </p:spPr>
+              <p:txBody>
+                <a:bodyPr wrap="square" rtlCol="0">
+                  <a:spAutoFit/>
+                </a:bodyPr>
+                <a:lstStyle/>
+                <a:p>
+                  <a:endParaRPr lang="de-DE" dirty="0">
+                    <a:solidFill>
+                      <a:srgbClr val="004E8A"/>
+                    </a:solidFill>
+                  </a:endParaRPr>
+                </a:p>
+              </p:txBody>
+            </p:sp>
+          </p:grpSp>
+          <p:sp>
+            <p:nvSpPr>
+              <p:cNvPr id="16" name="Bogen 15">
+                <a:extLst>
+                  <a:ext uri="{FF2B5EF4-FFF2-40B4-BE49-F238E27FC236}">
+                    <a16:creationId xmlns:a16="http://schemas.microsoft.com/office/drawing/2014/main" id="{3BCE3ACB-65E5-490B-B063-76790CFDFC2E}"/>
+                  </a:ext>
+                </a:extLst>
+              </p:cNvPr>
+              <p:cNvSpPr/>
+              <p:nvPr/>
+            </p:nvSpPr>
+            <p:spPr>
+              <a:xfrm flipH="1">
+                <a:off x="6414883" y="4581128"/>
+                <a:ext cx="3238200" cy="1277677"/>
+              </a:xfrm>
+              <a:prstGeom prst="arc">
+                <a:avLst/>
+              </a:prstGeom>
+              <a:noFill/>
+              <a:ln w="28575">
+                <a:solidFill>
+                  <a:srgbClr val="004E8A"/>
+                </a:solidFill>
+              </a:ln>
+            </p:spPr>
+            <p:style>
+              <a:lnRef idx="1">
+                <a:schemeClr val="accent1"/>
+              </a:lnRef>
+              <a:fillRef idx="0">
+                <a:schemeClr val="accent1"/>
+              </a:fillRef>
+              <a:effectRef idx="0">
+                <a:schemeClr val="accent1"/>
+              </a:effectRef>
+              <a:fontRef idx="minor">
+                <a:schemeClr val="tx1"/>
+              </a:fontRef>
+            </p:style>
+            <p:txBody>
+              <a:bodyPr rtlCol="0" anchor="ctr"/>
+              <a:lstStyle/>
+              <a:p>
+                <a:pPr algn="ctr"/>
+                <a:endParaRPr lang="de-DE"/>
+              </a:p>
+            </p:txBody>
+          </p:sp>
+        </p:grpSp>
+        <p:pic>
+          <p:nvPicPr>
+            <p:cNvPr id="12" name="Grafik 11" descr="Rechner">
+              <a:extLst>
+                <a:ext uri="{FF2B5EF4-FFF2-40B4-BE49-F238E27FC236}">
+                  <a16:creationId xmlns:a16="http://schemas.microsoft.com/office/drawing/2014/main" id="{66CE440B-7623-4CC1-BED9-9CDEA9A3A478}"/>
+                </a:ext>
+              </a:extLst>
+            </p:cNvPr>
+            <p:cNvPicPr>
+              <a:picLocks noChangeAspect="1"/>
+            </p:cNvPicPr>
+            <p:nvPr/>
+          </p:nvPicPr>
+          <p:blipFill>
+            <a:blip r:embed="rId7">
+              <a:extLst>
+                <a:ext uri="{28A0092B-C50C-407E-A947-70E740481C1C}">
+                  <a14:useLocalDpi xmlns:a14="http://schemas.microsoft.com/office/drawing/2010/main" val="0"/>
+                </a:ext>
+                <a:ext uri="{96DAC541-7B7A-43D3-8B79-37D633B846F1}">
+                  <asvg:svgBlip xmlns:asvg="http://schemas.microsoft.com/office/drawing/2016/SVG/main" r:embed="rId8"/>
+                </a:ext>
+              </a:extLst>
+            </a:blip>
+            <a:stretch>
+              <a:fillRect/>
+            </a:stretch>
+          </p:blipFill>
+          <p:spPr>
+            <a:xfrm>
+              <a:off x="3631721" y="4239810"/>
+              <a:ext cx="1200919" cy="1200919"/>
+            </a:xfrm>
+            <a:prstGeom prst="rect">
+              <a:avLst/>
+            </a:prstGeom>
+          </p:spPr>
+        </p:pic>
+      </p:grpSp>
     </p:spTree>
     <p:extLst>
       <p:ext uri="{BB962C8B-B14F-4D97-AF65-F5344CB8AC3E}">
@@ -7808,7 +7846,7 @@
                                           </p:stCondLst>
                                         </p:cTn>
                                         <p:tgtEl>
-                                          <p:spTgt spid="7"/>
+                                          <p:spTgt spid="14"/>
                                         </p:tgtEl>
                                         <p:attrNameLst>
                                           <p:attrName>style.visibility</p:attrName>
@@ -8047,6 +8085,204 @@
           <a:chExt cx="0" cy="0"/>
         </a:xfrm>
       </p:grpSpPr>
+      <p:grpSp>
+        <p:nvGrpSpPr>
+          <p:cNvPr id="16" name="Gruppieren 15">
+            <a:extLst>
+              <a:ext uri="{FF2B5EF4-FFF2-40B4-BE49-F238E27FC236}">
+                <a16:creationId xmlns:a16="http://schemas.microsoft.com/office/drawing/2014/main" id="{46B7005D-DB34-45AE-A161-626AA9A68A55}"/>
+              </a:ext>
+            </a:extLst>
+          </p:cNvPr>
+          <p:cNvGrpSpPr/>
+          <p:nvPr/>
+        </p:nvGrpSpPr>
+        <p:grpSpPr>
+          <a:xfrm>
+            <a:off x="1888796" y="692696"/>
+            <a:ext cx="5415951" cy="5061756"/>
+            <a:chOff x="1888796" y="0"/>
+            <a:chExt cx="5415951" cy="5061756"/>
+          </a:xfrm>
+        </p:grpSpPr>
+        <p:sp>
+          <p:nvSpPr>
+            <p:cNvPr id="4" name="Textfeld 3">
+              <a:extLst>
+                <a:ext uri="{FF2B5EF4-FFF2-40B4-BE49-F238E27FC236}">
+                  <a16:creationId xmlns:a16="http://schemas.microsoft.com/office/drawing/2014/main" id="{BF480CAA-3DD2-4BC0-AADD-5CDD45E18B49}"/>
+                </a:ext>
+              </a:extLst>
+            </p:cNvPr>
+            <p:cNvSpPr txBox="1"/>
+            <p:nvPr/>
+          </p:nvSpPr>
+          <p:spPr>
+            <a:xfrm>
+              <a:off x="3948699" y="0"/>
+              <a:ext cx="1296144" cy="2308324"/>
+            </a:xfrm>
+            <a:prstGeom prst="rect">
+              <a:avLst/>
+            </a:prstGeom>
+            <a:noFill/>
+          </p:spPr>
+          <p:txBody>
+            <a:bodyPr wrap="square" rtlCol="0">
+              <a:spAutoFit/>
+            </a:bodyPr>
+            <a:lstStyle/>
+            <a:p>
+              <a:r>
+                <a:rPr lang="de-DE" sz="14400" dirty="0">
+                  <a:solidFill>
+                    <a:srgbClr val="004E8A"/>
+                  </a:solidFill>
+                </a:rPr>
+                <a:t>?</a:t>
+              </a:r>
+            </a:p>
+          </p:txBody>
+        </p:sp>
+        <p:grpSp>
+          <p:nvGrpSpPr>
+            <p:cNvPr id="15" name="Gruppieren 14">
+              <a:extLst>
+                <a:ext uri="{FF2B5EF4-FFF2-40B4-BE49-F238E27FC236}">
+                  <a16:creationId xmlns:a16="http://schemas.microsoft.com/office/drawing/2014/main" id="{29A93DAC-5D6D-41D6-9938-61A737FBDE53}"/>
+                </a:ext>
+              </a:extLst>
+            </p:cNvPr>
+            <p:cNvGrpSpPr/>
+            <p:nvPr/>
+          </p:nvGrpSpPr>
+          <p:grpSpPr>
+            <a:xfrm>
+              <a:off x="1888796" y="764704"/>
+              <a:ext cx="5415951" cy="4297052"/>
+              <a:chOff x="1888796" y="764704"/>
+              <a:chExt cx="5415951" cy="4297052"/>
+            </a:xfrm>
+          </p:grpSpPr>
+          <p:pic>
+            <p:nvPicPr>
+              <p:cNvPr id="8" name="Grafik 7" descr="Besorgtes Gesicht mit einfarbiger Füllung">
+                <a:extLst>
+                  <a:ext uri="{FF2B5EF4-FFF2-40B4-BE49-F238E27FC236}">
+                    <a16:creationId xmlns:a16="http://schemas.microsoft.com/office/drawing/2014/main" id="{9062DCFC-8441-47CA-A4F1-9DC1971975A5}"/>
+                  </a:ext>
+                </a:extLst>
+              </p:cNvPr>
+              <p:cNvPicPr>
+                <a:picLocks noChangeAspect="1"/>
+              </p:cNvPicPr>
+              <p:nvPr/>
+            </p:nvPicPr>
+            <p:blipFill>
+              <a:blip r:embed="rId3">
+                <a:extLst>
+                  <a:ext uri="{28A0092B-C50C-407E-A947-70E740481C1C}">
+                    <a14:useLocalDpi xmlns:a14="http://schemas.microsoft.com/office/drawing/2010/main" val="0"/>
+                  </a:ext>
+                  <a:ext uri="{96DAC541-7B7A-43D3-8B79-37D633B846F1}">
+                    <asvg:svgBlip xmlns:asvg="http://schemas.microsoft.com/office/drawing/2016/SVG/main" r:embed="rId4"/>
+                  </a:ext>
+                </a:extLst>
+              </a:blip>
+              <a:stretch>
+                <a:fillRect/>
+              </a:stretch>
+            </p:blipFill>
+            <p:spPr>
+              <a:xfrm>
+                <a:off x="2939244" y="1796244"/>
+                <a:ext cx="3265512" cy="3265512"/>
+              </a:xfrm>
+              <a:prstGeom prst="rect">
+                <a:avLst/>
+              </a:prstGeom>
+            </p:spPr>
+          </p:pic>
+          <p:sp>
+            <p:nvSpPr>
+              <p:cNvPr id="5" name="Textfeld 4">
+                <a:extLst>
+                  <a:ext uri="{FF2B5EF4-FFF2-40B4-BE49-F238E27FC236}">
+                    <a16:creationId xmlns:a16="http://schemas.microsoft.com/office/drawing/2014/main" id="{C900700B-B847-4154-8911-0860663AF955}"/>
+                  </a:ext>
+                </a:extLst>
+              </p:cNvPr>
+              <p:cNvSpPr txBox="1"/>
+              <p:nvPr/>
+            </p:nvSpPr>
+            <p:spPr>
+              <a:xfrm>
+                <a:off x="6008603" y="810388"/>
+                <a:ext cx="1296144" cy="2308324"/>
+              </a:xfrm>
+              <a:prstGeom prst="rect">
+                <a:avLst/>
+              </a:prstGeom>
+              <a:noFill/>
+            </p:spPr>
+            <p:txBody>
+              <a:bodyPr wrap="square" rtlCol="0">
+                <a:spAutoFit/>
+              </a:bodyPr>
+              <a:lstStyle/>
+              <a:p>
+                <a:r>
+                  <a:rPr lang="de-DE" sz="14400" dirty="0">
+                    <a:solidFill>
+                      <a:srgbClr val="004E8A"/>
+                    </a:solidFill>
+                  </a:rPr>
+                  <a:t>?</a:t>
+                </a:r>
+              </a:p>
+            </p:txBody>
+          </p:sp>
+          <p:sp>
+            <p:nvSpPr>
+              <p:cNvPr id="6" name="Textfeld 5">
+                <a:extLst>
+                  <a:ext uri="{FF2B5EF4-FFF2-40B4-BE49-F238E27FC236}">
+                    <a16:creationId xmlns:a16="http://schemas.microsoft.com/office/drawing/2014/main" id="{AF5AEADC-4F08-404E-AB56-A6A73CA34EFE}"/>
+                  </a:ext>
+                </a:extLst>
+              </p:cNvPr>
+              <p:cNvSpPr txBox="1"/>
+              <p:nvPr/>
+            </p:nvSpPr>
+            <p:spPr>
+              <a:xfrm>
+                <a:off x="1888796" y="764704"/>
+                <a:ext cx="1296144" cy="2308324"/>
+              </a:xfrm>
+              <a:prstGeom prst="rect">
+                <a:avLst/>
+              </a:prstGeom>
+              <a:noFill/>
+            </p:spPr>
+            <p:txBody>
+              <a:bodyPr wrap="square" rtlCol="0">
+                <a:spAutoFit/>
+              </a:bodyPr>
+              <a:lstStyle/>
+              <a:p>
+                <a:r>
+                  <a:rPr lang="de-DE" sz="14400" dirty="0">
+                    <a:solidFill>
+                      <a:srgbClr val="004E8A"/>
+                    </a:solidFill>
+                  </a:rPr>
+                  <a:t>?</a:t>
+                </a:r>
+              </a:p>
+            </p:txBody>
+          </p:sp>
+        </p:grpSp>
+      </p:grpSp>
     </p:spTree>
     <p:extLst>
       <p:ext uri="{BB962C8B-B14F-4D97-AF65-F5344CB8AC3E}">
@@ -8314,7 +8550,7 @@
             <p:ph idx="1"/>
             <p:extLst>
               <p:ext uri="{D42A27DB-BD31-4B8C-83A1-F6EECF244321}">
-                <p14:modId xmlns:p14="http://schemas.microsoft.com/office/powerpoint/2010/main" val="3245249674"/>
+                <p14:modId xmlns:p14="http://schemas.microsoft.com/office/powerpoint/2010/main" val="3491148720"/>
               </p:ext>
             </p:extLst>
           </p:nvPr>
@@ -8365,7 +8601,11 @@
                       </a:r>
                     </a:p>
                   </a:txBody>
-                  <a:tcPr/>
+                  <a:tcPr>
+                    <a:solidFill>
+                      <a:srgbClr val="004E8A"/>
+                    </a:solidFill>
+                  </a:tcPr>
                 </a:tc>
                 <a:tc>
                   <a:txBody>
@@ -8378,7 +8618,11 @@
                       </a:r>
                     </a:p>
                   </a:txBody>
-                  <a:tcPr/>
+                  <a:tcPr>
+                    <a:solidFill>
+                      <a:srgbClr val="004E8A"/>
+                    </a:solidFill>
+                  </a:tcPr>
                 </a:tc>
                 <a:extLst>
                   <a:ext uri="{0D108BD9-81ED-4DB2-BD59-A6C34878D82A}">
@@ -9646,7 +9890,7 @@
         </p:nvSpPr>
         <p:spPr>
           <a:xfrm>
-            <a:off x="3419872" y="5071989"/>
+            <a:off x="3540448" y="5313982"/>
             <a:ext cx="4044228" cy="923330"/>
           </a:xfrm>
           <a:prstGeom prst="rect">
@@ -9694,6 +9938,44 @@
           </a:p>
         </p:txBody>
       </p:sp>
+      <p:cxnSp>
+        <p:nvCxnSpPr>
+          <p:cNvPr id="10" name="Gerader Verbinder 9">
+            <a:extLst>
+              <a:ext uri="{FF2B5EF4-FFF2-40B4-BE49-F238E27FC236}">
+                <a16:creationId xmlns:a16="http://schemas.microsoft.com/office/drawing/2014/main" id="{AEE4FCA3-D1E6-4E0D-9F54-3A8556761962}"/>
+              </a:ext>
+            </a:extLst>
+          </p:cNvPr>
+          <p:cNvCxnSpPr>
+            <a:cxnSpLocks/>
+          </p:cNvCxnSpPr>
+          <p:nvPr/>
+        </p:nvCxnSpPr>
+        <p:spPr>
+          <a:xfrm flipV="1">
+            <a:off x="2411760" y="6260323"/>
+            <a:ext cx="0" cy="1"/>
+          </a:xfrm>
+          <a:prstGeom prst="line">
+            <a:avLst/>
+          </a:prstGeom>
+        </p:spPr>
+        <p:style>
+          <a:lnRef idx="1">
+            <a:schemeClr val="accent1"/>
+          </a:lnRef>
+          <a:fillRef idx="0">
+            <a:schemeClr val="accent1"/>
+          </a:fillRef>
+          <a:effectRef idx="0">
+            <a:schemeClr val="accent1"/>
+          </a:effectRef>
+          <a:fontRef idx="minor">
+            <a:schemeClr val="tx1"/>
+          </a:fontRef>
+        </p:style>
+      </p:cxnSp>
     </p:spTree>
     <p:extLst>
       <p:ext uri="{BB962C8B-B14F-4D97-AF65-F5344CB8AC3E}">
@@ -36573,6 +36855,12 @@
           <a:p>
             <a:r>
               <a:rPr lang="de-DE" dirty="0"/>
+              <a:t>Berechnung mit CFX</a:t>
+            </a:r>
+          </a:p>
+          <a:p>
+            <a:r>
+              <a:rPr lang="de-DE" dirty="0"/>
               <a:t>Betriebspunkt:</a:t>
             </a:r>
           </a:p>
@@ -36660,7 +36948,7 @@
         </p:blipFill>
         <p:spPr>
           <a:xfrm>
-            <a:off x="971600" y="2613152"/>
+            <a:off x="971600" y="3017048"/>
             <a:ext cx="1505651" cy="241321"/>
           </a:xfrm>
           <a:prstGeom prst="rect">
@@ -36700,7 +36988,7 @@
         </p:blipFill>
         <p:spPr>
           <a:xfrm>
-            <a:off x="990256" y="3381267"/>
+            <a:off x="990256" y="3824468"/>
             <a:ext cx="917448" cy="324612"/>
           </a:xfrm>
           <a:prstGeom prst="rect">
@@ -36740,7 +37028,7 @@
         </p:blipFill>
         <p:spPr>
           <a:xfrm>
-            <a:off x="971600" y="4218285"/>
+            <a:off x="971600" y="4639743"/>
             <a:ext cx="1874520" cy="271281"/>
           </a:xfrm>
           <a:prstGeom prst="rect">
@@ -36780,7 +37068,7 @@
         </p:blipFill>
         <p:spPr>
           <a:xfrm>
-            <a:off x="971600" y="5043360"/>
+            <a:off x="971600" y="5415150"/>
             <a:ext cx="2050708" cy="237744"/>
           </a:xfrm>
           <a:prstGeom prst="rect">

--- a/Präsentation/Abschluss_Präsentation_Simon.pptx
+++ b/Präsentation/Abschluss_Präsentation_Simon.pptx
@@ -5,10 +5,10 @@
     <p:sldMasterId id="2147483648" r:id="rId2"/>
   </p:sldMasterIdLst>
   <p:notesMasterIdLst>
-    <p:notesMasterId r:id="rId21"/>
+    <p:notesMasterId r:id="rId22"/>
   </p:notesMasterIdLst>
   <p:handoutMasterIdLst>
-    <p:handoutMasterId r:id="rId22"/>
+    <p:handoutMasterId r:id="rId23"/>
   </p:handoutMasterIdLst>
   <p:sldIdLst>
     <p:sldId id="281" r:id="rId3"/>
@@ -27,8 +27,9 @@
     <p:sldId id="278" r:id="rId16"/>
     <p:sldId id="279" r:id="rId17"/>
     <p:sldId id="280" r:id="rId18"/>
-    <p:sldId id="257" r:id="rId19"/>
-    <p:sldId id="265" r:id="rId20"/>
+    <p:sldId id="283" r:id="rId19"/>
+    <p:sldId id="257" r:id="rId20"/>
+    <p:sldId id="265" r:id="rId21"/>
   </p:sldIdLst>
   <p:sldSz cx="9144000" cy="6858000" type="screen4x3"/>
   <p:notesSz cx="6858000" cy="9144000"/>
@@ -2419,6 +2420,155 @@
     <p:extLst>
       <p:ext uri="{BB962C8B-B14F-4D97-AF65-F5344CB8AC3E}">
         <p14:creationId xmlns:p14="http://schemas.microsoft.com/office/powerpoint/2010/main" val="3917348981"/>
+      </p:ext>
+    </p:extLst>
+  </p:cSld>
+  <p:clrMapOvr>
+    <a:masterClrMapping/>
+  </p:clrMapOvr>
+</p:notes>
+</file>
+
+<file path=ppt/notesSlides/notesSlide17.xml><?xml version="1.0" encoding="utf-8"?>
+<p:notes xmlns:a="http://schemas.openxmlformats.org/drawingml/2006/main" xmlns:r="http://schemas.openxmlformats.org/officeDocument/2006/relationships" xmlns:p="http://schemas.openxmlformats.org/presentationml/2006/main">
+  <p:cSld>
+    <p:spTree>
+      <p:nvGrpSpPr>
+        <p:cNvPr id="1" name=""/>
+        <p:cNvGrpSpPr/>
+        <p:nvPr/>
+      </p:nvGrpSpPr>
+      <p:grpSpPr>
+        <a:xfrm>
+          <a:off x="0" y="0"/>
+          <a:ext cx="0" cy="0"/>
+          <a:chOff x="0" y="0"/>
+          <a:chExt cx="0" cy="0"/>
+        </a:xfrm>
+      </p:grpSpPr>
+      <p:sp>
+        <p:nvSpPr>
+          <p:cNvPr id="2" name="Folienbildplatzhalter 1"/>
+          <p:cNvSpPr>
+            <a:spLocks noGrp="1" noRot="1" noChangeAspect="1"/>
+          </p:cNvSpPr>
+          <p:nvPr>
+            <p:ph type="sldImg"/>
+          </p:nvPr>
+        </p:nvSpPr>
+        <p:spPr>
+          <a:xfrm>
+            <a:off x="1371600" y="923925"/>
+            <a:ext cx="4095750" cy="3071813"/>
+          </a:xfrm>
+        </p:spPr>
+      </p:sp>
+      <p:sp>
+        <p:nvSpPr>
+          <p:cNvPr id="3" name="Notizenplatzhalter 2"/>
+          <p:cNvSpPr>
+            <a:spLocks noGrp="1"/>
+          </p:cNvSpPr>
+          <p:nvPr>
+            <p:ph type="body" idx="1"/>
+          </p:nvPr>
+        </p:nvSpPr>
+        <p:spPr/>
+        <p:txBody>
+          <a:bodyPr/>
+          <a:lstStyle/>
+          <a:p>
+            <a:r>
+              <a:rPr lang="de-DE" dirty="0"/>
+              <a:t>Design: Simon</a:t>
+            </a:r>
+          </a:p>
+          <a:p>
+            <a:r>
+              <a:rPr lang="de-DE" dirty="0"/>
+              <a:t>Vortrag: Simon</a:t>
+            </a:r>
+          </a:p>
+        </p:txBody>
+      </p:sp>
+      <p:sp>
+        <p:nvSpPr>
+          <p:cNvPr id="4" name="Datumsplatzhalter 3"/>
+          <p:cNvSpPr>
+            <a:spLocks noGrp="1"/>
+          </p:cNvSpPr>
+          <p:nvPr>
+            <p:ph type="dt" idx="10"/>
+          </p:nvPr>
+        </p:nvSpPr>
+        <p:spPr/>
+        <p:txBody>
+          <a:bodyPr/>
+          <a:lstStyle/>
+          <a:p>
+            <a:fld id="{065B079B-E513-489A-8A1B-D7C78493EA86}" type="datetime4">
+              <a:rPr lang="de-DE" smtClean="0"/>
+              <a:pPr/>
+              <a:t>5. Juli 2017</a:t>
+            </a:fld>
+            <a:endParaRPr lang="de-DE"/>
+          </a:p>
+        </p:txBody>
+      </p:sp>
+      <p:sp>
+        <p:nvSpPr>
+          <p:cNvPr id="5" name="Fußzeilenplatzhalter 4"/>
+          <p:cNvSpPr>
+            <a:spLocks noGrp="1"/>
+          </p:cNvSpPr>
+          <p:nvPr>
+            <p:ph type="ftr" sz="quarter" idx="11"/>
+          </p:nvPr>
+        </p:nvSpPr>
+        <p:spPr/>
+        <p:txBody>
+          <a:bodyPr/>
+          <a:lstStyle/>
+          <a:p>
+            <a:r>
+              <a:rPr lang="de-DE"/>
+              <a:t>|  </a:t>
+            </a:r>
+          </a:p>
+        </p:txBody>
+      </p:sp>
+      <p:sp>
+        <p:nvSpPr>
+          <p:cNvPr id="6" name="Foliennummernplatzhalter 5"/>
+          <p:cNvSpPr>
+            <a:spLocks noGrp="1"/>
+          </p:cNvSpPr>
+          <p:nvPr>
+            <p:ph type="sldNum" sz="quarter" idx="12"/>
+          </p:nvPr>
+        </p:nvSpPr>
+        <p:spPr/>
+        <p:txBody>
+          <a:bodyPr/>
+          <a:lstStyle/>
+          <a:p>
+            <a:r>
+              <a:rPr lang="de-DE"/>
+              <a:t>|  </a:t>
+            </a:r>
+            <a:fld id="{C36AA9A4-5D0B-4134-89A6-D8B9DAA4F25C}" type="slidenum">
+              <a:rPr lang="de-DE" smtClean="0"/>
+              <a:pPr/>
+              <a:t>17</a:t>
+            </a:fld>
+            <a:endParaRPr lang="de-DE"/>
+          </a:p>
+        </p:txBody>
+      </p:sp>
+    </p:spTree>
+    <p:extLst>
+      <p:ext uri="{BB962C8B-B14F-4D97-AF65-F5344CB8AC3E}">
+        <p14:creationId xmlns:p14="http://schemas.microsoft.com/office/powerpoint/2010/main" val="4162519227"/>
       </p:ext>
     </p:extLst>
   </p:cSld>
@@ -8313,6 +8463,255 @@
           <a:chExt cx="0" cy="0"/>
         </a:xfrm>
       </p:grpSpPr>
+      <p:grpSp>
+        <p:nvGrpSpPr>
+          <p:cNvPr id="7" name="Gruppieren 6">
+            <a:extLst>
+              <a:ext uri="{FF2B5EF4-FFF2-40B4-BE49-F238E27FC236}">
+                <a16:creationId xmlns:a16="http://schemas.microsoft.com/office/drawing/2014/main" id="{DEB5E112-2B2A-438A-8E75-75DB37328131}"/>
+              </a:ext>
+            </a:extLst>
+          </p:cNvPr>
+          <p:cNvGrpSpPr/>
+          <p:nvPr/>
+        </p:nvGrpSpPr>
+        <p:grpSpPr>
+          <a:xfrm>
+            <a:off x="1888796" y="900344"/>
+            <a:ext cx="5415951" cy="5048936"/>
+            <a:chOff x="1888796" y="692696"/>
+            <a:chExt cx="5415951" cy="5048936"/>
+          </a:xfrm>
+        </p:grpSpPr>
+        <p:pic>
+          <p:nvPicPr>
+            <p:cNvPr id="3" name="Grafik 2" descr="Verwirrtes Gesicht ohne Füllung">
+              <a:extLst>
+                <a:ext uri="{FF2B5EF4-FFF2-40B4-BE49-F238E27FC236}">
+                  <a16:creationId xmlns:a16="http://schemas.microsoft.com/office/drawing/2014/main" id="{99485050-3F8B-44D1-A455-FEE1F399E13D}"/>
+                </a:ext>
+              </a:extLst>
+            </p:cNvPr>
+            <p:cNvPicPr>
+              <a:picLocks noChangeAspect="1"/>
+            </p:cNvPicPr>
+            <p:nvPr/>
+          </p:nvPicPr>
+          <p:blipFill>
+            <a:blip r:embed="rId3">
+              <a:extLst>
+                <a:ext uri="{28A0092B-C50C-407E-A947-70E740481C1C}">
+                  <a14:useLocalDpi xmlns:a14="http://schemas.microsoft.com/office/drawing/2010/main" val="0"/>
+                </a:ext>
+                <a:ext uri="{96DAC541-7B7A-43D3-8B79-37D633B846F1}">
+                  <asvg:svgBlip xmlns:asvg="http://schemas.microsoft.com/office/drawing/2016/SVG/main" r:embed="rId4"/>
+                </a:ext>
+              </a:extLst>
+            </a:blip>
+            <a:stretch>
+              <a:fillRect/>
+            </a:stretch>
+          </p:blipFill>
+          <p:spPr>
+            <a:xfrm>
+              <a:off x="3026570" y="2601228"/>
+              <a:ext cx="3140404" cy="3140404"/>
+            </a:xfrm>
+            <a:prstGeom prst="rect">
+              <a:avLst/>
+            </a:prstGeom>
+          </p:spPr>
+        </p:pic>
+        <p:grpSp>
+          <p:nvGrpSpPr>
+            <p:cNvPr id="16" name="Gruppieren 15">
+              <a:extLst>
+                <a:ext uri="{FF2B5EF4-FFF2-40B4-BE49-F238E27FC236}">
+                  <a16:creationId xmlns:a16="http://schemas.microsoft.com/office/drawing/2014/main" id="{46B7005D-DB34-45AE-A161-626AA9A68A55}"/>
+                </a:ext>
+              </a:extLst>
+            </p:cNvPr>
+            <p:cNvGrpSpPr/>
+            <p:nvPr/>
+          </p:nvGrpSpPr>
+          <p:grpSpPr>
+            <a:xfrm>
+              <a:off x="1888796" y="692696"/>
+              <a:ext cx="5415951" cy="3118712"/>
+              <a:chOff x="1888796" y="0"/>
+              <a:chExt cx="5415951" cy="3118712"/>
+            </a:xfrm>
+          </p:grpSpPr>
+          <p:sp>
+            <p:nvSpPr>
+              <p:cNvPr id="4" name="Textfeld 3">
+                <a:extLst>
+                  <a:ext uri="{FF2B5EF4-FFF2-40B4-BE49-F238E27FC236}">
+                    <a16:creationId xmlns:a16="http://schemas.microsoft.com/office/drawing/2014/main" id="{BF480CAA-3DD2-4BC0-AADD-5CDD45E18B49}"/>
+                  </a:ext>
+                </a:extLst>
+              </p:cNvPr>
+              <p:cNvSpPr txBox="1"/>
+              <p:nvPr/>
+            </p:nvSpPr>
+            <p:spPr>
+              <a:xfrm>
+                <a:off x="3948699" y="0"/>
+                <a:ext cx="1296144" cy="2308324"/>
+              </a:xfrm>
+              <a:prstGeom prst="rect">
+                <a:avLst/>
+              </a:prstGeom>
+              <a:noFill/>
+            </p:spPr>
+            <p:txBody>
+              <a:bodyPr wrap="square" rtlCol="0">
+                <a:spAutoFit/>
+              </a:bodyPr>
+              <a:lstStyle/>
+              <a:p>
+                <a:r>
+                  <a:rPr lang="de-DE" sz="14400" dirty="0">
+                    <a:solidFill>
+                      <a:srgbClr val="004E8A"/>
+                    </a:solidFill>
+                  </a:rPr>
+                  <a:t>?</a:t>
+                </a:r>
+              </a:p>
+            </p:txBody>
+          </p:sp>
+          <p:grpSp>
+            <p:nvGrpSpPr>
+              <p:cNvPr id="15" name="Gruppieren 14">
+                <a:extLst>
+                  <a:ext uri="{FF2B5EF4-FFF2-40B4-BE49-F238E27FC236}">
+                    <a16:creationId xmlns:a16="http://schemas.microsoft.com/office/drawing/2014/main" id="{29A93DAC-5D6D-41D6-9938-61A737FBDE53}"/>
+                  </a:ext>
+                </a:extLst>
+              </p:cNvPr>
+              <p:cNvGrpSpPr/>
+              <p:nvPr/>
+            </p:nvGrpSpPr>
+            <p:grpSpPr>
+              <a:xfrm>
+                <a:off x="1888796" y="764704"/>
+                <a:ext cx="5415951" cy="2354008"/>
+                <a:chOff x="1888796" y="764704"/>
+                <a:chExt cx="5415951" cy="2354008"/>
+              </a:xfrm>
+            </p:grpSpPr>
+            <p:sp>
+              <p:nvSpPr>
+                <p:cNvPr id="5" name="Textfeld 4">
+                  <a:extLst>
+                    <a:ext uri="{FF2B5EF4-FFF2-40B4-BE49-F238E27FC236}">
+                      <a16:creationId xmlns:a16="http://schemas.microsoft.com/office/drawing/2014/main" id="{C900700B-B847-4154-8911-0860663AF955}"/>
+                    </a:ext>
+                  </a:extLst>
+                </p:cNvPr>
+                <p:cNvSpPr txBox="1"/>
+                <p:nvPr/>
+              </p:nvSpPr>
+              <p:spPr>
+                <a:xfrm>
+                  <a:off x="6008603" y="810388"/>
+                  <a:ext cx="1296144" cy="2308324"/>
+                </a:xfrm>
+                <a:prstGeom prst="rect">
+                  <a:avLst/>
+                </a:prstGeom>
+                <a:noFill/>
+              </p:spPr>
+              <p:txBody>
+                <a:bodyPr wrap="square" rtlCol="0">
+                  <a:spAutoFit/>
+                </a:bodyPr>
+                <a:lstStyle/>
+                <a:p>
+                  <a:r>
+                    <a:rPr lang="de-DE" sz="14400" dirty="0">
+                      <a:solidFill>
+                        <a:srgbClr val="004E8A"/>
+                      </a:solidFill>
+                    </a:rPr>
+                    <a:t>?</a:t>
+                  </a:r>
+                </a:p>
+              </p:txBody>
+            </p:sp>
+            <p:sp>
+              <p:nvSpPr>
+                <p:cNvPr id="6" name="Textfeld 5">
+                  <a:extLst>
+                    <a:ext uri="{FF2B5EF4-FFF2-40B4-BE49-F238E27FC236}">
+                      <a16:creationId xmlns:a16="http://schemas.microsoft.com/office/drawing/2014/main" id="{AF5AEADC-4F08-404E-AB56-A6A73CA34EFE}"/>
+                    </a:ext>
+                  </a:extLst>
+                </p:cNvPr>
+                <p:cNvSpPr txBox="1"/>
+                <p:nvPr/>
+              </p:nvSpPr>
+              <p:spPr>
+                <a:xfrm>
+                  <a:off x="1888796" y="764704"/>
+                  <a:ext cx="1296144" cy="2308324"/>
+                </a:xfrm>
+                <a:prstGeom prst="rect">
+                  <a:avLst/>
+                </a:prstGeom>
+                <a:noFill/>
+              </p:spPr>
+              <p:txBody>
+                <a:bodyPr wrap="square" rtlCol="0">
+                  <a:spAutoFit/>
+                </a:bodyPr>
+                <a:lstStyle/>
+                <a:p>
+                  <a:r>
+                    <a:rPr lang="de-DE" sz="14400" dirty="0">
+                      <a:solidFill>
+                        <a:srgbClr val="004E8A"/>
+                      </a:solidFill>
+                    </a:rPr>
+                    <a:t>?</a:t>
+                  </a:r>
+                </a:p>
+              </p:txBody>
+            </p:sp>
+          </p:grpSp>
+        </p:grpSp>
+      </p:grpSp>
+    </p:spTree>
+    <p:extLst>
+      <p:ext uri="{BB962C8B-B14F-4D97-AF65-F5344CB8AC3E}">
+        <p14:creationId xmlns:p14="http://schemas.microsoft.com/office/powerpoint/2010/main" val="959592748"/>
+      </p:ext>
+    </p:extLst>
+  </p:cSld>
+  <p:clrMapOvr>
+    <a:masterClrMapping/>
+  </p:clrMapOvr>
+</p:sld>
+</file>
+
+<file path=ppt/slides/slide18.xml><?xml version="1.0" encoding="utf-8"?>
+<p:sld xmlns:a="http://schemas.openxmlformats.org/drawingml/2006/main" xmlns:r="http://schemas.openxmlformats.org/officeDocument/2006/relationships" xmlns:p="http://schemas.openxmlformats.org/presentationml/2006/main">
+  <p:cSld>
+    <p:spTree>
+      <p:nvGrpSpPr>
+        <p:cNvPr id="1" name=""/>
+        <p:cNvGrpSpPr/>
+        <p:nvPr/>
+      </p:nvGrpSpPr>
+      <p:grpSpPr>
+        <a:xfrm>
+          <a:off x="0" y="0"/>
+          <a:ext cx="0" cy="0"/>
+          <a:chOff x="0" y="0"/>
+          <a:chExt cx="0" cy="0"/>
+        </a:xfrm>
+      </p:grpSpPr>
       <p:sp>
         <p:nvSpPr>
           <p:cNvPr id="2" name="Titel 1"/>
@@ -8501,7 +8900,7 @@
 </p:sld>
 </file>
 
-<file path=ppt/slides/slide18.xml><?xml version="1.0" encoding="utf-8"?>
+<file path=ppt/slides/slide19.xml><?xml version="1.0" encoding="utf-8"?>
 <p:sld xmlns:a="http://schemas.openxmlformats.org/drawingml/2006/main" xmlns:r="http://schemas.openxmlformats.org/officeDocument/2006/relationships" xmlns:p="http://schemas.openxmlformats.org/presentationml/2006/main">
   <p:cSld>
     <p:spTree>
